--- a/src/docs/asciidoc/images/images.pptx
+++ b/src/docs/asciidoc/images/images.pptx
@@ -11,14 +11,15 @@
     <p:sldId id="260" r:id="rId5"/>
     <p:sldId id="262" r:id="rId6"/>
     <p:sldId id="264" r:id="rId7"/>
-    <p:sldId id="265" r:id="rId8"/>
-    <p:sldId id="263" r:id="rId9"/>
-    <p:sldId id="266" r:id="rId10"/>
-    <p:sldId id="267" r:id="rId11"/>
-    <p:sldId id="268" r:id="rId12"/>
-    <p:sldId id="269" r:id="rId13"/>
-    <p:sldId id="270" r:id="rId14"/>
-    <p:sldId id="271" r:id="rId15"/>
+    <p:sldId id="273" r:id="rId8"/>
+    <p:sldId id="265" r:id="rId9"/>
+    <p:sldId id="263" r:id="rId10"/>
+    <p:sldId id="266" r:id="rId11"/>
+    <p:sldId id="267" r:id="rId12"/>
+    <p:sldId id="268" r:id="rId13"/>
+    <p:sldId id="269" r:id="rId14"/>
+    <p:sldId id="270" r:id="rId15"/>
+    <p:sldId id="271" r:id="rId16"/>
   </p:sldIdLst>
   <p:sldSz cx="9144000" cy="6858000" type="screen4x3"/>
   <p:notesSz cx="6858000" cy="9144000"/>
@@ -130,6 +131,11 @@
             <p14:sldId id="264"/>
           </p14:sldIdLst>
         </p14:section>
+        <p14:section name="Firewalls" id="{ADF1279B-C33B-4F07-B179-4AF99FB58828}">
+          <p14:sldIdLst>
+            <p14:sldId id="273"/>
+          </p14:sldIdLst>
+        </p14:section>
         <p14:section name="Modularity" id="{177FBA70-DE04-4A65-8D8D-4EC43DF2A3FE}">
           <p14:sldIdLst>
             <p14:sldId id="265"/>
@@ -337,7 +343,7 @@
           <a:p>
             <a:fld id="{C621B150-5F76-4297-83EE-2A1992B26279}" type="datetimeFigureOut">
               <a:rPr lang="en-GB" smtClean="0"/>
-              <a:t>16/09/2016</a:t>
+              <a:t>19/09/2016</a:t>
             </a:fld>
             <a:endParaRPr lang="en-GB"/>
           </a:p>
@@ -507,7 +513,7 @@
           <a:p>
             <a:fld id="{C621B150-5F76-4297-83EE-2A1992B26279}" type="datetimeFigureOut">
               <a:rPr lang="en-GB" smtClean="0"/>
-              <a:t>16/09/2016</a:t>
+              <a:t>19/09/2016</a:t>
             </a:fld>
             <a:endParaRPr lang="en-GB"/>
           </a:p>
@@ -687,7 +693,7 @@
           <a:p>
             <a:fld id="{C621B150-5F76-4297-83EE-2A1992B26279}" type="datetimeFigureOut">
               <a:rPr lang="en-GB" smtClean="0"/>
-              <a:t>16/09/2016</a:t>
+              <a:t>19/09/2016</a:t>
             </a:fld>
             <a:endParaRPr lang="en-GB"/>
           </a:p>
@@ -857,7 +863,7 @@
           <a:p>
             <a:fld id="{C621B150-5F76-4297-83EE-2A1992B26279}" type="datetimeFigureOut">
               <a:rPr lang="en-GB" smtClean="0"/>
-              <a:t>16/09/2016</a:t>
+              <a:t>19/09/2016</a:t>
             </a:fld>
             <a:endParaRPr lang="en-GB"/>
           </a:p>
@@ -1103,7 +1109,7 @@
           <a:p>
             <a:fld id="{C621B150-5F76-4297-83EE-2A1992B26279}" type="datetimeFigureOut">
               <a:rPr lang="en-GB" smtClean="0"/>
-              <a:t>16/09/2016</a:t>
+              <a:t>19/09/2016</a:t>
             </a:fld>
             <a:endParaRPr lang="en-GB"/>
           </a:p>
@@ -1391,7 +1397,7 @@
           <a:p>
             <a:fld id="{C621B150-5F76-4297-83EE-2A1992B26279}" type="datetimeFigureOut">
               <a:rPr lang="en-GB" smtClean="0"/>
-              <a:t>16/09/2016</a:t>
+              <a:t>19/09/2016</a:t>
             </a:fld>
             <a:endParaRPr lang="en-GB"/>
           </a:p>
@@ -1813,7 +1819,7 @@
           <a:p>
             <a:fld id="{C621B150-5F76-4297-83EE-2A1992B26279}" type="datetimeFigureOut">
               <a:rPr lang="en-GB" smtClean="0"/>
-              <a:t>16/09/2016</a:t>
+              <a:t>19/09/2016</a:t>
             </a:fld>
             <a:endParaRPr lang="en-GB"/>
           </a:p>
@@ -1931,7 +1937,7 @@
           <a:p>
             <a:fld id="{C621B150-5F76-4297-83EE-2A1992B26279}" type="datetimeFigureOut">
               <a:rPr lang="en-GB" smtClean="0"/>
-              <a:t>16/09/2016</a:t>
+              <a:t>19/09/2016</a:t>
             </a:fld>
             <a:endParaRPr lang="en-GB"/>
           </a:p>
@@ -2026,7 +2032,7 @@
           <a:p>
             <a:fld id="{C621B150-5F76-4297-83EE-2A1992B26279}" type="datetimeFigureOut">
               <a:rPr lang="en-GB" smtClean="0"/>
-              <a:t>16/09/2016</a:t>
+              <a:t>19/09/2016</a:t>
             </a:fld>
             <a:endParaRPr lang="en-GB"/>
           </a:p>
@@ -2303,7 +2309,7 @@
           <a:p>
             <a:fld id="{C621B150-5F76-4297-83EE-2A1992B26279}" type="datetimeFigureOut">
               <a:rPr lang="en-GB" smtClean="0"/>
-              <a:t>16/09/2016</a:t>
+              <a:t>19/09/2016</a:t>
             </a:fld>
             <a:endParaRPr lang="en-GB"/>
           </a:p>
@@ -2556,7 +2562,7 @@
           <a:p>
             <a:fld id="{C621B150-5F76-4297-83EE-2A1992B26279}" type="datetimeFigureOut">
               <a:rPr lang="en-GB" smtClean="0"/>
-              <a:t>16/09/2016</a:t>
+              <a:t>19/09/2016</a:t>
             </a:fld>
             <a:endParaRPr lang="en-GB"/>
           </a:p>
@@ -2769,7 +2775,7 @@
           <a:p>
             <a:fld id="{C621B150-5F76-4297-83EE-2A1992B26279}" type="datetimeFigureOut">
               <a:rPr lang="en-GB" smtClean="0"/>
-              <a:t>16/09/2016</a:t>
+              <a:t>19/09/2016</a:t>
             </a:fld>
             <a:endParaRPr lang="en-GB"/>
           </a:p>
@@ -3227,62 +3233,92 @@
       </p:grpSpPr>
       <p:sp>
         <p:nvSpPr>
-          <p:cNvPr id="9" name="Rectangle 8"/>
+          <p:cNvPr id="2" name="TextBox 1"/>
+          <p:cNvSpPr txBox="1"/>
+          <p:nvPr/>
+        </p:nvSpPr>
+        <p:spPr>
+          <a:xfrm>
+            <a:off x="6432914" y="2657271"/>
+            <a:ext cx="1765804" cy="1200329"/>
+          </a:xfrm>
+          <a:prstGeom prst="rect">
+            <a:avLst/>
+          </a:prstGeom>
+          <a:noFill/>
+        </p:spPr>
+        <p:txBody>
+          <a:bodyPr wrap="none" rtlCol="0">
+            <a:spAutoFit/>
+          </a:bodyPr>
+          <a:lstStyle/>
+          <a:p>
+            <a:pPr algn="ctr"/>
+            <a:r>
+              <a:rPr lang="en-GB" sz="3600" dirty="0" smtClean="0"/>
+              <a:t>Problem</a:t>
+            </a:r>
+            <a:br>
+              <a:rPr lang="en-GB" sz="3600" dirty="0" smtClean="0"/>
+            </a:br>
+            <a:r>
+              <a:rPr lang="en-GB" sz="3600" dirty="0" smtClean="0"/>
+              <a:t>Solvers</a:t>
+            </a:r>
+            <a:endParaRPr lang="en-GB" sz="3600" dirty="0"/>
+          </a:p>
+        </p:txBody>
+      </p:sp>
+      <p:sp>
+        <p:nvSpPr>
+          <p:cNvPr id="3" name="TextBox 2"/>
+          <p:cNvSpPr txBox="1"/>
+          <p:nvPr/>
+        </p:nvSpPr>
+        <p:spPr>
+          <a:xfrm>
+            <a:off x="921910" y="2660719"/>
+            <a:ext cx="1976055" cy="1200329"/>
+          </a:xfrm>
+          <a:prstGeom prst="rect">
+            <a:avLst/>
+          </a:prstGeom>
+          <a:noFill/>
+        </p:spPr>
+        <p:txBody>
+          <a:bodyPr wrap="none" rtlCol="0">
+            <a:spAutoFit/>
+          </a:bodyPr>
+          <a:lstStyle/>
+          <a:p>
+            <a:pPr algn="ctr"/>
+            <a:r>
+              <a:rPr lang="en-GB" sz="3600" dirty="0" smtClean="0"/>
+              <a:t>Process</a:t>
+            </a:r>
+          </a:p>
+          <a:p>
+            <a:pPr algn="ctr"/>
+            <a:r>
+              <a:rPr lang="en-GB" sz="3600" dirty="0" smtClean="0"/>
+              <a:t>Followers</a:t>
+            </a:r>
+            <a:endParaRPr lang="en-GB" sz="3600" dirty="0"/>
+          </a:p>
+        </p:txBody>
+      </p:sp>
+      <p:sp>
+        <p:nvSpPr>
+          <p:cNvPr id="4" name="Left-Right Arrow 3"/>
           <p:cNvSpPr/>
           <p:nvPr/>
         </p:nvSpPr>
         <p:spPr>
           <a:xfrm>
-            <a:off x="755576" y="5402833"/>
-            <a:ext cx="7200800" cy="618455"/>
-          </a:xfrm>
-          <a:prstGeom prst="rect">
-            <a:avLst/>
-          </a:prstGeom>
-          <a:solidFill>
-            <a:schemeClr val="bg1"/>
-          </a:solidFill>
-          <a:ln>
-            <a:noFill/>
-          </a:ln>
-        </p:spPr>
-        <p:style>
-          <a:lnRef idx="2">
-            <a:schemeClr val="accent1">
-              <a:shade val="50000"/>
-            </a:schemeClr>
-          </a:lnRef>
-          <a:fillRef idx="1">
-            <a:schemeClr val="accent1"/>
-          </a:fillRef>
-          <a:effectRef idx="0">
-            <a:schemeClr val="accent1"/>
-          </a:effectRef>
-          <a:fontRef idx="minor">
-            <a:schemeClr val="lt1"/>
-          </a:fontRef>
-        </p:style>
-        <p:txBody>
-          <a:bodyPr rtlCol="0" anchor="ctr"/>
-          <a:lstStyle/>
-          <a:p>
-            <a:pPr algn="ctr"/>
-            <a:endParaRPr lang="en-GB"/>
-          </a:p>
-        </p:txBody>
-      </p:sp>
-      <p:sp>
-        <p:nvSpPr>
-          <p:cNvPr id="4" name="Hexagon 3"/>
-          <p:cNvSpPr/>
-          <p:nvPr/>
-        </p:nvSpPr>
-        <p:spPr>
-          <a:xfrm>
-            <a:off x="2267744" y="620688"/>
-            <a:ext cx="3096344" cy="2664296"/>
-          </a:xfrm>
-          <a:prstGeom prst="hexagon">
+            <a:off x="2817917" y="2996952"/>
+            <a:ext cx="3600400" cy="572616"/>
+          </a:xfrm>
+          <a:prstGeom prst="leftRightArrow">
             <a:avLst/>
           </a:prstGeom>
         </p:spPr>
@@ -3313,168 +3349,16 @@
           </a:p>
         </p:txBody>
       </p:sp>
-      <p:cxnSp>
-        <p:nvCxnSpPr>
-          <p:cNvPr id="37" name="Curved Connector 36"/>
-          <p:cNvCxnSpPr/>
-          <p:nvPr/>
-        </p:nvCxnSpPr>
-        <p:spPr>
-          <a:xfrm>
-            <a:off x="1331640" y="620688"/>
-            <a:ext cx="1944216" cy="1152128"/>
-          </a:xfrm>
-          <a:prstGeom prst="curvedConnector3">
-            <a:avLst>
-              <a:gd name="adj1" fmla="val 50000"/>
-            </a:avLst>
-          </a:prstGeom>
-          <a:ln w="19050">
-            <a:headEnd type="none"/>
-            <a:tailEnd type="arrow"/>
-          </a:ln>
-        </p:spPr>
-        <p:style>
-          <a:lnRef idx="2">
-            <a:schemeClr val="accent4"/>
-          </a:lnRef>
-          <a:fillRef idx="0">
-            <a:schemeClr val="accent4"/>
-          </a:fillRef>
-          <a:effectRef idx="1">
-            <a:schemeClr val="accent4"/>
-          </a:effectRef>
-          <a:fontRef idx="minor">
-            <a:schemeClr val="tx1"/>
-          </a:fontRef>
-        </p:style>
-      </p:cxnSp>
-      <p:sp>
-        <p:nvSpPr>
-          <p:cNvPr id="35" name="Oval 34"/>
-          <p:cNvSpPr/>
-          <p:nvPr/>
-        </p:nvSpPr>
-        <p:spPr>
-          <a:xfrm>
-            <a:off x="3291686" y="1619569"/>
-            <a:ext cx="432048" cy="403448"/>
-          </a:xfrm>
-          <a:prstGeom prst="ellipse">
-            <a:avLst/>
-          </a:prstGeom>
-        </p:spPr>
-        <p:style>
-          <a:lnRef idx="2">
-            <a:schemeClr val="accent3">
-              <a:shade val="50000"/>
-            </a:schemeClr>
-          </a:lnRef>
-          <a:fillRef idx="1">
-            <a:schemeClr val="accent3"/>
-          </a:fillRef>
-          <a:effectRef idx="0">
-            <a:schemeClr val="accent3"/>
-          </a:effectRef>
-          <a:fontRef idx="minor">
-            <a:schemeClr val="lt1"/>
-          </a:fontRef>
-        </p:style>
-        <p:txBody>
-          <a:bodyPr rtlCol="0" anchor="ctr"/>
-          <a:lstStyle/>
-          <a:p>
-            <a:pPr algn="ctr"/>
-            <a:endParaRPr lang="en-GB"/>
-          </a:p>
-        </p:txBody>
-      </p:sp>
-      <p:sp>
-        <p:nvSpPr>
-          <p:cNvPr id="11" name="Smiley Face 10"/>
-          <p:cNvSpPr/>
-          <p:nvPr/>
-        </p:nvSpPr>
-        <p:spPr>
-          <a:xfrm>
-            <a:off x="755576" y="404664"/>
-            <a:ext cx="504056" cy="468052"/>
-          </a:xfrm>
-          <a:prstGeom prst="smileyFace">
-            <a:avLst/>
-          </a:prstGeom>
-        </p:spPr>
-        <p:style>
-          <a:lnRef idx="2">
-            <a:schemeClr val="accent5"/>
-          </a:lnRef>
-          <a:fillRef idx="1">
-            <a:schemeClr val="lt1"/>
-          </a:fillRef>
-          <a:effectRef idx="0">
-            <a:schemeClr val="accent5"/>
-          </a:effectRef>
-          <a:fontRef idx="minor">
-            <a:schemeClr val="dk1"/>
-          </a:fontRef>
-        </p:style>
-        <p:txBody>
-          <a:bodyPr rtlCol="0" anchor="ctr"/>
-          <a:lstStyle/>
-          <a:p>
-            <a:pPr algn="ctr"/>
-            <a:endParaRPr lang="en-GB"/>
-          </a:p>
-        </p:txBody>
-      </p:sp>
-      <p:sp>
-        <p:nvSpPr>
-          <p:cNvPr id="47" name="TextBox 46"/>
-          <p:cNvSpPr txBox="1"/>
-          <p:nvPr/>
-        </p:nvSpPr>
-        <p:spPr>
-          <a:xfrm>
-            <a:off x="755576" y="1268760"/>
-            <a:ext cx="1646606" cy="369332"/>
-          </a:xfrm>
-          <a:prstGeom prst="rect">
-            <a:avLst/>
-          </a:prstGeom>
-          <a:noFill/>
-        </p:spPr>
-        <p:txBody>
-          <a:bodyPr wrap="none" rtlCol="0">
-            <a:spAutoFit/>
-          </a:bodyPr>
-          <a:lstStyle/>
-          <a:p>
-            <a:pPr algn="ctr"/>
-            <a:r>
-              <a:rPr lang="en-GB" dirty="0" smtClean="0"/>
-              <a:t>via Wicket viewer</a:t>
-            </a:r>
-            <a:endParaRPr lang="en-GB" dirty="0"/>
-          </a:p>
-        </p:txBody>
-      </p:sp>
     </p:spTree>
     <p:extLst>
       <p:ext uri="{BB962C8B-B14F-4D97-AF65-F5344CB8AC3E}">
-        <p14:creationId xmlns:p14="http://schemas.microsoft.com/office/powerpoint/2010/main" val="4048903745"/>
+        <p14:creationId xmlns:p14="http://schemas.microsoft.com/office/powerpoint/2010/main" val="3733795349"/>
       </p:ext>
     </p:extLst>
   </p:cSld>
   <p:clrMapOvr>
     <a:masterClrMapping/>
   </p:clrMapOvr>
-  <p:timing>
-    <p:tnLst>
-      <p:par>
-        <p:cTn id="1" dur="indefinite" restart="never" nodeType="tmRoot"/>
-      </p:par>
-    </p:tnLst>
-  </p:timing>
 </p:sld>
 </file>
 
@@ -3583,103 +3467,21 @@
           </a:p>
         </p:txBody>
       </p:sp>
-      <p:sp>
-        <p:nvSpPr>
-          <p:cNvPr id="19" name="Cloud 18"/>
-          <p:cNvSpPr/>
-          <p:nvPr/>
-        </p:nvSpPr>
-        <p:spPr>
-          <a:xfrm>
-            <a:off x="3203848" y="3573016"/>
-            <a:ext cx="4284476" cy="2232248"/>
-          </a:xfrm>
-          <a:prstGeom prst="cloud">
-            <a:avLst/>
-          </a:prstGeom>
-        </p:spPr>
-        <p:style>
-          <a:lnRef idx="2">
-            <a:schemeClr val="accent2">
-              <a:shade val="50000"/>
-            </a:schemeClr>
-          </a:lnRef>
-          <a:fillRef idx="1">
-            <a:schemeClr val="accent2"/>
-          </a:fillRef>
-          <a:effectRef idx="0">
-            <a:schemeClr val="accent2"/>
-          </a:effectRef>
-          <a:fontRef idx="minor">
-            <a:schemeClr val="lt1"/>
-          </a:fontRef>
-        </p:style>
-        <p:txBody>
-          <a:bodyPr rtlCol="0" anchor="ctr"/>
-          <a:lstStyle/>
-          <a:p>
-            <a:pPr algn="ctr"/>
-            <a:r>
-              <a:rPr lang="en-GB" dirty="0" smtClean="0"/>
-              <a:t/>
-            </a:r>
-            <a:br>
-              <a:rPr lang="en-GB" dirty="0" smtClean="0"/>
-            </a:br>
-            <a:r>
-              <a:rPr lang="en-GB" dirty="0" smtClean="0"/>
-              <a:t>Event Bus</a:t>
-            </a:r>
-          </a:p>
-          <a:p>
-            <a:pPr algn="ctr"/>
-            <a:r>
-              <a:rPr lang="en-GB" sz="1400" dirty="0" smtClean="0"/>
-              <a:t>(</a:t>
-            </a:r>
-            <a:r>
-              <a:rPr lang="en-GB" sz="1400" dirty="0" err="1" smtClean="0"/>
-              <a:t>eg</a:t>
-            </a:r>
-            <a:r>
-              <a:rPr lang="en-GB" sz="1400" dirty="0" smtClean="0"/>
-              <a:t> Camel)</a:t>
-            </a:r>
-          </a:p>
-          <a:p>
-            <a:pPr algn="ctr"/>
-            <a:endParaRPr lang="en-GB" dirty="0"/>
-          </a:p>
-          <a:p>
-            <a:pPr algn="ctr"/>
-            <a:endParaRPr lang="en-GB" dirty="0" smtClean="0"/>
-          </a:p>
-          <a:p>
-            <a:pPr algn="ctr"/>
-            <a:endParaRPr lang="en-GB" dirty="0"/>
-          </a:p>
-          <a:p>
-            <a:pPr algn="ctr"/>
-            <a:endParaRPr lang="en-GB" dirty="0"/>
-          </a:p>
-        </p:txBody>
-      </p:sp>
       <p:cxnSp>
         <p:nvCxnSpPr>
-          <p:cNvPr id="36" name="Curved Connector 35"/>
-          <p:cNvCxnSpPr>
-            <a:stCxn id="4" idx="0"/>
-            <a:endCxn id="108" idx="0"/>
-          </p:cNvCxnSpPr>
+          <p:cNvPr id="37" name="Curved Connector 36"/>
+          <p:cNvCxnSpPr/>
           <p:nvPr/>
         </p:nvCxnSpPr>
         <p:spPr>
           <a:xfrm>
-            <a:off x="5364088" y="1952836"/>
-            <a:ext cx="1535028" cy="1764196"/>
-          </a:xfrm>
-          <a:prstGeom prst="curvedConnector2">
-            <a:avLst/>
+            <a:off x="1331640" y="620688"/>
+            <a:ext cx="1944216" cy="1152128"/>
+          </a:xfrm>
+          <a:prstGeom prst="curvedConnector3">
+            <a:avLst>
+              <a:gd name="adj1" fmla="val 50000"/>
+            </a:avLst>
           </a:prstGeom>
           <a:ln w="19050">
             <a:headEnd type="none"/>
@@ -3701,165 +3503,6 @@
           </a:fontRef>
         </p:style>
       </p:cxnSp>
-      <p:cxnSp>
-        <p:nvCxnSpPr>
-          <p:cNvPr id="37" name="Curved Connector 36"/>
-          <p:cNvCxnSpPr/>
-          <p:nvPr/>
-        </p:nvCxnSpPr>
-        <p:spPr>
-          <a:xfrm>
-            <a:off x="1331640" y="620688"/>
-            <a:ext cx="1944216" cy="1152128"/>
-          </a:xfrm>
-          <a:prstGeom prst="curvedConnector3">
-            <a:avLst>
-              <a:gd name="adj1" fmla="val 50000"/>
-            </a:avLst>
-          </a:prstGeom>
-          <a:ln w="19050">
-            <a:headEnd type="none"/>
-            <a:tailEnd type="arrow"/>
-          </a:ln>
-        </p:spPr>
-        <p:style>
-          <a:lnRef idx="2">
-            <a:schemeClr val="accent4"/>
-          </a:lnRef>
-          <a:fillRef idx="0">
-            <a:schemeClr val="accent4"/>
-          </a:fillRef>
-          <a:effectRef idx="1">
-            <a:schemeClr val="accent4"/>
-          </a:effectRef>
-          <a:fontRef idx="minor">
-            <a:schemeClr val="tx1"/>
-          </a:fontRef>
-        </p:style>
-      </p:cxnSp>
-      <p:sp>
-        <p:nvSpPr>
-          <p:cNvPr id="45" name="Rectangle 44"/>
-          <p:cNvSpPr/>
-          <p:nvPr/>
-        </p:nvSpPr>
-        <p:spPr>
-          <a:xfrm>
-            <a:off x="4283048" y="4579440"/>
-            <a:ext cx="1656184" cy="648072"/>
-          </a:xfrm>
-          <a:prstGeom prst="rect">
-            <a:avLst/>
-          </a:prstGeom>
-        </p:spPr>
-        <p:style>
-          <a:lnRef idx="2">
-            <a:schemeClr val="accent4">
-              <a:shade val="50000"/>
-            </a:schemeClr>
-          </a:lnRef>
-          <a:fillRef idx="1">
-            <a:schemeClr val="accent4"/>
-          </a:fillRef>
-          <a:effectRef idx="0">
-            <a:schemeClr val="accent4"/>
-          </a:effectRef>
-          <a:fontRef idx="minor">
-            <a:schemeClr val="lt1"/>
-          </a:fontRef>
-        </p:style>
-        <p:txBody>
-          <a:bodyPr rtlCol="0" anchor="ctr"/>
-          <a:lstStyle/>
-          <a:p>
-            <a:pPr algn="ctr"/>
-            <a:r>
-              <a:rPr lang="en-GB" dirty="0" smtClean="0"/>
-              <a:t>Subscriber</a:t>
-            </a:r>
-          </a:p>
-        </p:txBody>
-      </p:sp>
-      <p:cxnSp>
-        <p:nvCxnSpPr>
-          <p:cNvPr id="46" name="Curved Connector 45"/>
-          <p:cNvCxnSpPr>
-            <a:endCxn id="45" idx="3"/>
-          </p:cNvCxnSpPr>
-          <p:nvPr/>
-        </p:nvCxnSpPr>
-        <p:spPr>
-          <a:xfrm rot="5400000">
-            <a:off x="5905199" y="3886700"/>
-            <a:ext cx="1050810" cy="982743"/>
-          </a:xfrm>
-          <a:prstGeom prst="curvedConnector2">
-            <a:avLst/>
-          </a:prstGeom>
-          <a:ln w="19050">
-            <a:headEnd type="none"/>
-            <a:tailEnd type="arrow"/>
-          </a:ln>
-        </p:spPr>
-        <p:style>
-          <a:lnRef idx="2">
-            <a:schemeClr val="accent4"/>
-          </a:lnRef>
-          <a:fillRef idx="0">
-            <a:schemeClr val="accent4"/>
-          </a:fillRef>
-          <a:effectRef idx="1">
-            <a:schemeClr val="accent4"/>
-          </a:effectRef>
-          <a:fontRef idx="minor">
-            <a:schemeClr val="tx1"/>
-          </a:fontRef>
-        </p:style>
-      </p:cxnSp>
-      <p:sp>
-        <p:nvSpPr>
-          <p:cNvPr id="108" name="Rectangle 107"/>
-          <p:cNvSpPr/>
-          <p:nvPr/>
-        </p:nvSpPr>
-        <p:spPr>
-          <a:xfrm>
-            <a:off x="6876256" y="3717032"/>
-            <a:ext cx="45719" cy="135632"/>
-          </a:xfrm>
-          <a:prstGeom prst="rect">
-            <a:avLst/>
-          </a:prstGeom>
-          <a:noFill/>
-          <a:ln>
-            <a:noFill/>
-          </a:ln>
-        </p:spPr>
-        <p:style>
-          <a:lnRef idx="2">
-            <a:schemeClr val="accent1">
-              <a:shade val="50000"/>
-            </a:schemeClr>
-          </a:lnRef>
-          <a:fillRef idx="1">
-            <a:schemeClr val="accent1"/>
-          </a:fillRef>
-          <a:effectRef idx="0">
-            <a:schemeClr val="accent1"/>
-          </a:effectRef>
-          <a:fontRef idx="minor">
-            <a:schemeClr val="lt1"/>
-          </a:fontRef>
-        </p:style>
-        <p:txBody>
-          <a:bodyPr rtlCol="0" anchor="ctr"/>
-          <a:lstStyle/>
-          <a:p>
-            <a:pPr algn="ctr"/>
-            <a:endParaRPr lang="en-GB"/>
-          </a:p>
-        </p:txBody>
-      </p:sp>
       <p:sp>
         <p:nvSpPr>
           <p:cNvPr id="35" name="Oval 34"/>
@@ -3902,152 +3545,6 @@
       </p:sp>
       <p:sp>
         <p:nvSpPr>
-          <p:cNvPr id="38" name="Flowchart: Document 37"/>
-          <p:cNvSpPr/>
-          <p:nvPr/>
-        </p:nvSpPr>
-        <p:spPr>
-          <a:xfrm>
-            <a:off x="6228184" y="2348880"/>
-            <a:ext cx="648072" cy="648072"/>
-          </a:xfrm>
-          <a:prstGeom prst="flowChartDocument">
-            <a:avLst/>
-          </a:prstGeom>
-        </p:spPr>
-        <p:style>
-          <a:lnRef idx="2">
-            <a:schemeClr val="dk1"/>
-          </a:lnRef>
-          <a:fillRef idx="1">
-            <a:schemeClr val="lt1"/>
-          </a:fillRef>
-          <a:effectRef idx="0">
-            <a:schemeClr val="dk1"/>
-          </a:effectRef>
-          <a:fontRef idx="minor">
-            <a:schemeClr val="dk1"/>
-          </a:fontRef>
-        </p:style>
-        <p:txBody>
-          <a:bodyPr rtlCol="0" anchor="ctr"/>
-          <a:lstStyle/>
-          <a:p>
-            <a:pPr algn="ctr"/>
-            <a:endParaRPr lang="en-GB"/>
-          </a:p>
-        </p:txBody>
-      </p:sp>
-      <p:cxnSp>
-        <p:nvCxnSpPr>
-          <p:cNvPr id="39" name="Straight Connector 38"/>
-          <p:cNvCxnSpPr/>
-          <p:nvPr/>
-        </p:nvCxnSpPr>
-        <p:spPr>
-          <a:xfrm>
-            <a:off x="6372200" y="2492896"/>
-            <a:ext cx="360040" cy="0"/>
-          </a:xfrm>
-          <a:prstGeom prst="line">
-            <a:avLst/>
-          </a:prstGeom>
-          <a:ln w="38100" cmpd="sng">
-            <a:solidFill>
-              <a:srgbClr val="002060"/>
-            </a:solidFill>
-            <a:prstDash val="sysDash"/>
-          </a:ln>
-        </p:spPr>
-        <p:style>
-          <a:lnRef idx="1">
-            <a:schemeClr val="accent1"/>
-          </a:lnRef>
-          <a:fillRef idx="0">
-            <a:schemeClr val="accent1"/>
-          </a:fillRef>
-          <a:effectRef idx="0">
-            <a:schemeClr val="accent1"/>
-          </a:effectRef>
-          <a:fontRef idx="minor">
-            <a:schemeClr val="tx1"/>
-          </a:fontRef>
-        </p:style>
-      </p:cxnSp>
-      <p:cxnSp>
-        <p:nvCxnSpPr>
-          <p:cNvPr id="40" name="Straight Connector 39"/>
-          <p:cNvCxnSpPr/>
-          <p:nvPr/>
-        </p:nvCxnSpPr>
-        <p:spPr>
-          <a:xfrm>
-            <a:off x="6372200" y="2636912"/>
-            <a:ext cx="360040" cy="0"/>
-          </a:xfrm>
-          <a:prstGeom prst="line">
-            <a:avLst/>
-          </a:prstGeom>
-          <a:ln w="38100" cmpd="sng">
-            <a:solidFill>
-              <a:srgbClr val="002060"/>
-            </a:solidFill>
-            <a:prstDash val="sysDash"/>
-          </a:ln>
-        </p:spPr>
-        <p:style>
-          <a:lnRef idx="1">
-            <a:schemeClr val="accent1"/>
-          </a:lnRef>
-          <a:fillRef idx="0">
-            <a:schemeClr val="accent1"/>
-          </a:fillRef>
-          <a:effectRef idx="0">
-            <a:schemeClr val="accent1"/>
-          </a:effectRef>
-          <a:fontRef idx="minor">
-            <a:schemeClr val="tx1"/>
-          </a:fontRef>
-        </p:style>
-      </p:cxnSp>
-      <p:cxnSp>
-        <p:nvCxnSpPr>
-          <p:cNvPr id="41" name="Straight Connector 40"/>
-          <p:cNvCxnSpPr/>
-          <p:nvPr/>
-        </p:nvCxnSpPr>
-        <p:spPr>
-          <a:xfrm>
-            <a:off x="6372200" y="2780928"/>
-            <a:ext cx="360040" cy="0"/>
-          </a:xfrm>
-          <a:prstGeom prst="line">
-            <a:avLst/>
-          </a:prstGeom>
-          <a:ln w="38100" cmpd="sng">
-            <a:solidFill>
-              <a:srgbClr val="002060"/>
-            </a:solidFill>
-            <a:prstDash val="sysDash"/>
-          </a:ln>
-        </p:spPr>
-        <p:style>
-          <a:lnRef idx="1">
-            <a:schemeClr val="accent1"/>
-          </a:lnRef>
-          <a:fillRef idx="0">
-            <a:schemeClr val="accent1"/>
-          </a:fillRef>
-          <a:effectRef idx="0">
-            <a:schemeClr val="accent1"/>
-          </a:effectRef>
-          <a:fontRef idx="minor">
-            <a:schemeClr val="tx1"/>
-          </a:fontRef>
-        </p:style>
-      </p:cxnSp>
-      <p:sp>
-        <p:nvSpPr>
           <p:cNvPr id="11" name="Smiley Face 10"/>
           <p:cNvSpPr/>
           <p:nvPr/>
@@ -4118,7 +3615,7 @@
     </p:spTree>
     <p:extLst>
       <p:ext uri="{BB962C8B-B14F-4D97-AF65-F5344CB8AC3E}">
-        <p14:creationId xmlns:p14="http://schemas.microsoft.com/office/powerpoint/2010/main" val="2249871871"/>
+        <p14:creationId xmlns:p14="http://schemas.microsoft.com/office/powerpoint/2010/main" val="4048903745"/>
       </p:ext>
     </p:extLst>
   </p:cSld>
@@ -4473,6 +3970,663 @@
           </a:fontRef>
         </p:style>
       </p:cxnSp>
+      <p:sp>
+        <p:nvSpPr>
+          <p:cNvPr id="108" name="Rectangle 107"/>
+          <p:cNvSpPr/>
+          <p:nvPr/>
+        </p:nvSpPr>
+        <p:spPr>
+          <a:xfrm>
+            <a:off x="6876256" y="3717032"/>
+            <a:ext cx="45719" cy="135632"/>
+          </a:xfrm>
+          <a:prstGeom prst="rect">
+            <a:avLst/>
+          </a:prstGeom>
+          <a:noFill/>
+          <a:ln>
+            <a:noFill/>
+          </a:ln>
+        </p:spPr>
+        <p:style>
+          <a:lnRef idx="2">
+            <a:schemeClr val="accent1">
+              <a:shade val="50000"/>
+            </a:schemeClr>
+          </a:lnRef>
+          <a:fillRef idx="1">
+            <a:schemeClr val="accent1"/>
+          </a:fillRef>
+          <a:effectRef idx="0">
+            <a:schemeClr val="accent1"/>
+          </a:effectRef>
+          <a:fontRef idx="minor">
+            <a:schemeClr val="lt1"/>
+          </a:fontRef>
+        </p:style>
+        <p:txBody>
+          <a:bodyPr rtlCol="0" anchor="ctr"/>
+          <a:lstStyle/>
+          <a:p>
+            <a:pPr algn="ctr"/>
+            <a:endParaRPr lang="en-GB"/>
+          </a:p>
+        </p:txBody>
+      </p:sp>
+      <p:sp>
+        <p:nvSpPr>
+          <p:cNvPr id="35" name="Oval 34"/>
+          <p:cNvSpPr/>
+          <p:nvPr/>
+        </p:nvSpPr>
+        <p:spPr>
+          <a:xfrm>
+            <a:off x="3291686" y="1619569"/>
+            <a:ext cx="432048" cy="403448"/>
+          </a:xfrm>
+          <a:prstGeom prst="ellipse">
+            <a:avLst/>
+          </a:prstGeom>
+        </p:spPr>
+        <p:style>
+          <a:lnRef idx="2">
+            <a:schemeClr val="accent3">
+              <a:shade val="50000"/>
+            </a:schemeClr>
+          </a:lnRef>
+          <a:fillRef idx="1">
+            <a:schemeClr val="accent3"/>
+          </a:fillRef>
+          <a:effectRef idx="0">
+            <a:schemeClr val="accent3"/>
+          </a:effectRef>
+          <a:fontRef idx="minor">
+            <a:schemeClr val="lt1"/>
+          </a:fontRef>
+        </p:style>
+        <p:txBody>
+          <a:bodyPr rtlCol="0" anchor="ctr"/>
+          <a:lstStyle/>
+          <a:p>
+            <a:pPr algn="ctr"/>
+            <a:endParaRPr lang="en-GB"/>
+          </a:p>
+        </p:txBody>
+      </p:sp>
+      <p:sp>
+        <p:nvSpPr>
+          <p:cNvPr id="38" name="Flowchart: Document 37"/>
+          <p:cNvSpPr/>
+          <p:nvPr/>
+        </p:nvSpPr>
+        <p:spPr>
+          <a:xfrm>
+            <a:off x="6228184" y="2348880"/>
+            <a:ext cx="648072" cy="648072"/>
+          </a:xfrm>
+          <a:prstGeom prst="flowChartDocument">
+            <a:avLst/>
+          </a:prstGeom>
+        </p:spPr>
+        <p:style>
+          <a:lnRef idx="2">
+            <a:schemeClr val="dk1"/>
+          </a:lnRef>
+          <a:fillRef idx="1">
+            <a:schemeClr val="lt1"/>
+          </a:fillRef>
+          <a:effectRef idx="0">
+            <a:schemeClr val="dk1"/>
+          </a:effectRef>
+          <a:fontRef idx="minor">
+            <a:schemeClr val="dk1"/>
+          </a:fontRef>
+        </p:style>
+        <p:txBody>
+          <a:bodyPr rtlCol="0" anchor="ctr"/>
+          <a:lstStyle/>
+          <a:p>
+            <a:pPr algn="ctr"/>
+            <a:endParaRPr lang="en-GB"/>
+          </a:p>
+        </p:txBody>
+      </p:sp>
+      <p:cxnSp>
+        <p:nvCxnSpPr>
+          <p:cNvPr id="39" name="Straight Connector 38"/>
+          <p:cNvCxnSpPr/>
+          <p:nvPr/>
+        </p:nvCxnSpPr>
+        <p:spPr>
+          <a:xfrm>
+            <a:off x="6372200" y="2492896"/>
+            <a:ext cx="360040" cy="0"/>
+          </a:xfrm>
+          <a:prstGeom prst="line">
+            <a:avLst/>
+          </a:prstGeom>
+          <a:ln w="38100" cmpd="sng">
+            <a:solidFill>
+              <a:srgbClr val="002060"/>
+            </a:solidFill>
+            <a:prstDash val="sysDash"/>
+          </a:ln>
+        </p:spPr>
+        <p:style>
+          <a:lnRef idx="1">
+            <a:schemeClr val="accent1"/>
+          </a:lnRef>
+          <a:fillRef idx="0">
+            <a:schemeClr val="accent1"/>
+          </a:fillRef>
+          <a:effectRef idx="0">
+            <a:schemeClr val="accent1"/>
+          </a:effectRef>
+          <a:fontRef idx="minor">
+            <a:schemeClr val="tx1"/>
+          </a:fontRef>
+        </p:style>
+      </p:cxnSp>
+      <p:cxnSp>
+        <p:nvCxnSpPr>
+          <p:cNvPr id="40" name="Straight Connector 39"/>
+          <p:cNvCxnSpPr/>
+          <p:nvPr/>
+        </p:nvCxnSpPr>
+        <p:spPr>
+          <a:xfrm>
+            <a:off x="6372200" y="2636912"/>
+            <a:ext cx="360040" cy="0"/>
+          </a:xfrm>
+          <a:prstGeom prst="line">
+            <a:avLst/>
+          </a:prstGeom>
+          <a:ln w="38100" cmpd="sng">
+            <a:solidFill>
+              <a:srgbClr val="002060"/>
+            </a:solidFill>
+            <a:prstDash val="sysDash"/>
+          </a:ln>
+        </p:spPr>
+        <p:style>
+          <a:lnRef idx="1">
+            <a:schemeClr val="accent1"/>
+          </a:lnRef>
+          <a:fillRef idx="0">
+            <a:schemeClr val="accent1"/>
+          </a:fillRef>
+          <a:effectRef idx="0">
+            <a:schemeClr val="accent1"/>
+          </a:effectRef>
+          <a:fontRef idx="minor">
+            <a:schemeClr val="tx1"/>
+          </a:fontRef>
+        </p:style>
+      </p:cxnSp>
+      <p:cxnSp>
+        <p:nvCxnSpPr>
+          <p:cNvPr id="41" name="Straight Connector 40"/>
+          <p:cNvCxnSpPr/>
+          <p:nvPr/>
+        </p:nvCxnSpPr>
+        <p:spPr>
+          <a:xfrm>
+            <a:off x="6372200" y="2780928"/>
+            <a:ext cx="360040" cy="0"/>
+          </a:xfrm>
+          <a:prstGeom prst="line">
+            <a:avLst/>
+          </a:prstGeom>
+          <a:ln w="38100" cmpd="sng">
+            <a:solidFill>
+              <a:srgbClr val="002060"/>
+            </a:solidFill>
+            <a:prstDash val="sysDash"/>
+          </a:ln>
+        </p:spPr>
+        <p:style>
+          <a:lnRef idx="1">
+            <a:schemeClr val="accent1"/>
+          </a:lnRef>
+          <a:fillRef idx="0">
+            <a:schemeClr val="accent1"/>
+          </a:fillRef>
+          <a:effectRef idx="0">
+            <a:schemeClr val="accent1"/>
+          </a:effectRef>
+          <a:fontRef idx="minor">
+            <a:schemeClr val="tx1"/>
+          </a:fontRef>
+        </p:style>
+      </p:cxnSp>
+      <p:sp>
+        <p:nvSpPr>
+          <p:cNvPr id="11" name="Smiley Face 10"/>
+          <p:cNvSpPr/>
+          <p:nvPr/>
+        </p:nvSpPr>
+        <p:spPr>
+          <a:xfrm>
+            <a:off x="755576" y="404664"/>
+            <a:ext cx="504056" cy="468052"/>
+          </a:xfrm>
+          <a:prstGeom prst="smileyFace">
+            <a:avLst/>
+          </a:prstGeom>
+        </p:spPr>
+        <p:style>
+          <a:lnRef idx="2">
+            <a:schemeClr val="accent5"/>
+          </a:lnRef>
+          <a:fillRef idx="1">
+            <a:schemeClr val="lt1"/>
+          </a:fillRef>
+          <a:effectRef idx="0">
+            <a:schemeClr val="accent5"/>
+          </a:effectRef>
+          <a:fontRef idx="minor">
+            <a:schemeClr val="dk1"/>
+          </a:fontRef>
+        </p:style>
+        <p:txBody>
+          <a:bodyPr rtlCol="0" anchor="ctr"/>
+          <a:lstStyle/>
+          <a:p>
+            <a:pPr algn="ctr"/>
+            <a:endParaRPr lang="en-GB"/>
+          </a:p>
+        </p:txBody>
+      </p:sp>
+      <p:sp>
+        <p:nvSpPr>
+          <p:cNvPr id="47" name="TextBox 46"/>
+          <p:cNvSpPr txBox="1"/>
+          <p:nvPr/>
+        </p:nvSpPr>
+        <p:spPr>
+          <a:xfrm>
+            <a:off x="755576" y="1268760"/>
+            <a:ext cx="1646606" cy="369332"/>
+          </a:xfrm>
+          <a:prstGeom prst="rect">
+            <a:avLst/>
+          </a:prstGeom>
+          <a:noFill/>
+        </p:spPr>
+        <p:txBody>
+          <a:bodyPr wrap="none" rtlCol="0">
+            <a:spAutoFit/>
+          </a:bodyPr>
+          <a:lstStyle/>
+          <a:p>
+            <a:pPr algn="ctr"/>
+            <a:r>
+              <a:rPr lang="en-GB" dirty="0" smtClean="0"/>
+              <a:t>via Wicket viewer</a:t>
+            </a:r>
+            <a:endParaRPr lang="en-GB" dirty="0"/>
+          </a:p>
+        </p:txBody>
+      </p:sp>
+    </p:spTree>
+    <p:extLst>
+      <p:ext uri="{BB962C8B-B14F-4D97-AF65-F5344CB8AC3E}">
+        <p14:creationId xmlns:p14="http://schemas.microsoft.com/office/powerpoint/2010/main" val="2249871871"/>
+      </p:ext>
+    </p:extLst>
+  </p:cSld>
+  <p:clrMapOvr>
+    <a:masterClrMapping/>
+  </p:clrMapOvr>
+  <p:timing>
+    <p:tnLst>
+      <p:par>
+        <p:cTn id="1" dur="indefinite" restart="never" nodeType="tmRoot"/>
+      </p:par>
+    </p:tnLst>
+  </p:timing>
+</p:sld>
+</file>
+
+<file path=ppt/slides/slide13.xml><?xml version="1.0" encoding="utf-8"?>
+<p:sld xmlns:a="http://schemas.openxmlformats.org/drawingml/2006/main" xmlns:r="http://schemas.openxmlformats.org/officeDocument/2006/relationships" xmlns:p="http://schemas.openxmlformats.org/presentationml/2006/main">
+  <p:cSld>
+    <p:spTree>
+      <p:nvGrpSpPr>
+        <p:cNvPr id="1" name=""/>
+        <p:cNvGrpSpPr/>
+        <p:nvPr/>
+      </p:nvGrpSpPr>
+      <p:grpSpPr>
+        <a:xfrm>
+          <a:off x="0" y="0"/>
+          <a:ext cx="0" cy="0"/>
+          <a:chOff x="0" y="0"/>
+          <a:chExt cx="0" cy="0"/>
+        </a:xfrm>
+      </p:grpSpPr>
+      <p:sp>
+        <p:nvSpPr>
+          <p:cNvPr id="9" name="Rectangle 8"/>
+          <p:cNvSpPr/>
+          <p:nvPr/>
+        </p:nvSpPr>
+        <p:spPr>
+          <a:xfrm>
+            <a:off x="755576" y="5402833"/>
+            <a:ext cx="7200800" cy="618455"/>
+          </a:xfrm>
+          <a:prstGeom prst="rect">
+            <a:avLst/>
+          </a:prstGeom>
+          <a:solidFill>
+            <a:schemeClr val="bg1"/>
+          </a:solidFill>
+          <a:ln>
+            <a:noFill/>
+          </a:ln>
+        </p:spPr>
+        <p:style>
+          <a:lnRef idx="2">
+            <a:schemeClr val="accent1">
+              <a:shade val="50000"/>
+            </a:schemeClr>
+          </a:lnRef>
+          <a:fillRef idx="1">
+            <a:schemeClr val="accent1"/>
+          </a:fillRef>
+          <a:effectRef idx="0">
+            <a:schemeClr val="accent1"/>
+          </a:effectRef>
+          <a:fontRef idx="minor">
+            <a:schemeClr val="lt1"/>
+          </a:fontRef>
+        </p:style>
+        <p:txBody>
+          <a:bodyPr rtlCol="0" anchor="ctr"/>
+          <a:lstStyle/>
+          <a:p>
+            <a:pPr algn="ctr"/>
+            <a:endParaRPr lang="en-GB"/>
+          </a:p>
+        </p:txBody>
+      </p:sp>
+      <p:sp>
+        <p:nvSpPr>
+          <p:cNvPr id="4" name="Hexagon 3"/>
+          <p:cNvSpPr/>
+          <p:nvPr/>
+        </p:nvSpPr>
+        <p:spPr>
+          <a:xfrm>
+            <a:off x="2267744" y="620688"/>
+            <a:ext cx="3096344" cy="2664296"/>
+          </a:xfrm>
+          <a:prstGeom prst="hexagon">
+            <a:avLst/>
+          </a:prstGeom>
+        </p:spPr>
+        <p:style>
+          <a:lnRef idx="1">
+            <a:schemeClr val="accent3"/>
+          </a:lnRef>
+          <a:fillRef idx="2">
+            <a:schemeClr val="accent3"/>
+          </a:fillRef>
+          <a:effectRef idx="1">
+            <a:schemeClr val="accent3"/>
+          </a:effectRef>
+          <a:fontRef idx="minor">
+            <a:schemeClr val="dk1"/>
+          </a:fontRef>
+        </p:style>
+        <p:txBody>
+          <a:bodyPr rtlCol="0" anchor="ctr"/>
+          <a:lstStyle/>
+          <a:p>
+            <a:pPr algn="ctr"/>
+            <a:endParaRPr lang="en-GB">
+              <a:solidFill>
+                <a:schemeClr val="dk1"/>
+              </a:solidFill>
+            </a:endParaRPr>
+          </a:p>
+        </p:txBody>
+      </p:sp>
+      <p:sp>
+        <p:nvSpPr>
+          <p:cNvPr id="19" name="Cloud 18"/>
+          <p:cNvSpPr/>
+          <p:nvPr/>
+        </p:nvSpPr>
+        <p:spPr>
+          <a:xfrm>
+            <a:off x="3203848" y="3573016"/>
+            <a:ext cx="4284476" cy="2232248"/>
+          </a:xfrm>
+          <a:prstGeom prst="cloud">
+            <a:avLst/>
+          </a:prstGeom>
+        </p:spPr>
+        <p:style>
+          <a:lnRef idx="2">
+            <a:schemeClr val="accent2">
+              <a:shade val="50000"/>
+            </a:schemeClr>
+          </a:lnRef>
+          <a:fillRef idx="1">
+            <a:schemeClr val="accent2"/>
+          </a:fillRef>
+          <a:effectRef idx="0">
+            <a:schemeClr val="accent2"/>
+          </a:effectRef>
+          <a:fontRef idx="minor">
+            <a:schemeClr val="lt1"/>
+          </a:fontRef>
+        </p:style>
+        <p:txBody>
+          <a:bodyPr rtlCol="0" anchor="ctr"/>
+          <a:lstStyle/>
+          <a:p>
+            <a:pPr algn="ctr"/>
+            <a:r>
+              <a:rPr lang="en-GB" dirty="0" smtClean="0"/>
+              <a:t/>
+            </a:r>
+            <a:br>
+              <a:rPr lang="en-GB" dirty="0" smtClean="0"/>
+            </a:br>
+            <a:r>
+              <a:rPr lang="en-GB" dirty="0" smtClean="0"/>
+              <a:t>Event Bus</a:t>
+            </a:r>
+          </a:p>
+          <a:p>
+            <a:pPr algn="ctr"/>
+            <a:r>
+              <a:rPr lang="en-GB" sz="1400" dirty="0" smtClean="0"/>
+              <a:t>(</a:t>
+            </a:r>
+            <a:r>
+              <a:rPr lang="en-GB" sz="1400" dirty="0" err="1" smtClean="0"/>
+              <a:t>eg</a:t>
+            </a:r>
+            <a:r>
+              <a:rPr lang="en-GB" sz="1400" dirty="0" smtClean="0"/>
+              <a:t> Camel)</a:t>
+            </a:r>
+          </a:p>
+          <a:p>
+            <a:pPr algn="ctr"/>
+            <a:endParaRPr lang="en-GB" dirty="0"/>
+          </a:p>
+          <a:p>
+            <a:pPr algn="ctr"/>
+            <a:endParaRPr lang="en-GB" dirty="0" smtClean="0"/>
+          </a:p>
+          <a:p>
+            <a:pPr algn="ctr"/>
+            <a:endParaRPr lang="en-GB" dirty="0"/>
+          </a:p>
+          <a:p>
+            <a:pPr algn="ctr"/>
+            <a:endParaRPr lang="en-GB" dirty="0"/>
+          </a:p>
+        </p:txBody>
+      </p:sp>
+      <p:cxnSp>
+        <p:nvCxnSpPr>
+          <p:cNvPr id="36" name="Curved Connector 35"/>
+          <p:cNvCxnSpPr>
+            <a:stCxn id="4" idx="0"/>
+            <a:endCxn id="108" idx="0"/>
+          </p:cNvCxnSpPr>
+          <p:nvPr/>
+        </p:nvCxnSpPr>
+        <p:spPr>
+          <a:xfrm>
+            <a:off x="5364088" y="1952836"/>
+            <a:ext cx="1535028" cy="1764196"/>
+          </a:xfrm>
+          <a:prstGeom prst="curvedConnector2">
+            <a:avLst/>
+          </a:prstGeom>
+          <a:ln w="19050">
+            <a:headEnd type="none"/>
+            <a:tailEnd type="arrow"/>
+          </a:ln>
+        </p:spPr>
+        <p:style>
+          <a:lnRef idx="2">
+            <a:schemeClr val="accent4"/>
+          </a:lnRef>
+          <a:fillRef idx="0">
+            <a:schemeClr val="accent4"/>
+          </a:fillRef>
+          <a:effectRef idx="1">
+            <a:schemeClr val="accent4"/>
+          </a:effectRef>
+          <a:fontRef idx="minor">
+            <a:schemeClr val="tx1"/>
+          </a:fontRef>
+        </p:style>
+      </p:cxnSp>
+      <p:cxnSp>
+        <p:nvCxnSpPr>
+          <p:cNvPr id="37" name="Curved Connector 36"/>
+          <p:cNvCxnSpPr/>
+          <p:nvPr/>
+        </p:nvCxnSpPr>
+        <p:spPr>
+          <a:xfrm>
+            <a:off x="1331640" y="620688"/>
+            <a:ext cx="1944216" cy="1152128"/>
+          </a:xfrm>
+          <a:prstGeom prst="curvedConnector3">
+            <a:avLst>
+              <a:gd name="adj1" fmla="val 50000"/>
+            </a:avLst>
+          </a:prstGeom>
+          <a:ln w="19050">
+            <a:headEnd type="none"/>
+            <a:tailEnd type="arrow"/>
+          </a:ln>
+        </p:spPr>
+        <p:style>
+          <a:lnRef idx="2">
+            <a:schemeClr val="accent4"/>
+          </a:lnRef>
+          <a:fillRef idx="0">
+            <a:schemeClr val="accent4"/>
+          </a:fillRef>
+          <a:effectRef idx="1">
+            <a:schemeClr val="accent4"/>
+          </a:effectRef>
+          <a:fontRef idx="minor">
+            <a:schemeClr val="tx1"/>
+          </a:fontRef>
+        </p:style>
+      </p:cxnSp>
+      <p:sp>
+        <p:nvSpPr>
+          <p:cNvPr id="45" name="Rectangle 44"/>
+          <p:cNvSpPr/>
+          <p:nvPr/>
+        </p:nvSpPr>
+        <p:spPr>
+          <a:xfrm>
+            <a:off x="4283048" y="4579440"/>
+            <a:ext cx="1656184" cy="648072"/>
+          </a:xfrm>
+          <a:prstGeom prst="rect">
+            <a:avLst/>
+          </a:prstGeom>
+        </p:spPr>
+        <p:style>
+          <a:lnRef idx="2">
+            <a:schemeClr val="accent4">
+              <a:shade val="50000"/>
+            </a:schemeClr>
+          </a:lnRef>
+          <a:fillRef idx="1">
+            <a:schemeClr val="accent4"/>
+          </a:fillRef>
+          <a:effectRef idx="0">
+            <a:schemeClr val="accent4"/>
+          </a:effectRef>
+          <a:fontRef idx="minor">
+            <a:schemeClr val="lt1"/>
+          </a:fontRef>
+        </p:style>
+        <p:txBody>
+          <a:bodyPr rtlCol="0" anchor="ctr"/>
+          <a:lstStyle/>
+          <a:p>
+            <a:pPr algn="ctr"/>
+            <a:r>
+              <a:rPr lang="en-GB" dirty="0" smtClean="0"/>
+              <a:t>Subscriber</a:t>
+            </a:r>
+          </a:p>
+        </p:txBody>
+      </p:sp>
+      <p:cxnSp>
+        <p:nvCxnSpPr>
+          <p:cNvPr id="46" name="Curved Connector 45"/>
+          <p:cNvCxnSpPr>
+            <a:endCxn id="45" idx="3"/>
+          </p:cNvCxnSpPr>
+          <p:nvPr/>
+        </p:nvCxnSpPr>
+        <p:spPr>
+          <a:xfrm rot="5400000">
+            <a:off x="5905199" y="3886700"/>
+            <a:ext cx="1050810" cy="982743"/>
+          </a:xfrm>
+          <a:prstGeom prst="curvedConnector2">
+            <a:avLst/>
+          </a:prstGeom>
+          <a:ln w="19050">
+            <a:headEnd type="none"/>
+            <a:tailEnd type="arrow"/>
+          </a:ln>
+        </p:spPr>
+        <p:style>
+          <a:lnRef idx="2">
+            <a:schemeClr val="accent4"/>
+          </a:lnRef>
+          <a:fillRef idx="0">
+            <a:schemeClr val="accent4"/>
+          </a:fillRef>
+          <a:effectRef idx="1">
+            <a:schemeClr val="accent4"/>
+          </a:effectRef>
+          <a:fontRef idx="minor">
+            <a:schemeClr val="tx1"/>
+          </a:fontRef>
+        </p:style>
+      </p:cxnSp>
       <p:cxnSp>
         <p:nvCxnSpPr>
           <p:cNvPr id="51" name="Curved Connector 50"/>
@@ -4861,7 +5015,7 @@
 </p:sld>
 </file>
 
-<file path=ppt/slides/slide13.xml><?xml version="1.0" encoding="utf-8"?>
+<file path=ppt/slides/slide14.xml><?xml version="1.0" encoding="utf-8"?>
 <p:sld xmlns:a="http://schemas.openxmlformats.org/drawingml/2006/main" xmlns:r="http://schemas.openxmlformats.org/officeDocument/2006/relationships" xmlns:p="http://schemas.openxmlformats.org/presentationml/2006/main">
   <p:cSld>
     <p:spTree>
@@ -6011,7 +6165,7 @@
 </p:sld>
 </file>
 
-<file path=ppt/slides/slide14.xml><?xml version="1.0" encoding="utf-8"?>
+<file path=ppt/slides/slide15.xml><?xml version="1.0" encoding="utf-8"?>
 <p:sld xmlns:a="http://schemas.openxmlformats.org/drawingml/2006/main" xmlns:r="http://schemas.openxmlformats.org/officeDocument/2006/relationships" xmlns:p="http://schemas.openxmlformats.org/presentationml/2006/main">
   <p:cSld>
     <p:spTree>
@@ -8720,10 +8874,2443 @@
           </a:p>
         </p:txBody>
       </p:sp>
+      <p:sp>
+        <p:nvSpPr>
+          <p:cNvPr id="2" name="Oval 1"/>
+          <p:cNvSpPr/>
+          <p:nvPr/>
+        </p:nvSpPr>
+        <p:spPr>
+          <a:xfrm>
+            <a:off x="1835696" y="2996952"/>
+            <a:ext cx="288032" cy="216024"/>
+          </a:xfrm>
+          <a:prstGeom prst="ellipse">
+            <a:avLst/>
+          </a:prstGeom>
+          <a:solidFill>
+            <a:schemeClr val="tx1">
+              <a:lumMod val="65000"/>
+              <a:lumOff val="35000"/>
+            </a:schemeClr>
+          </a:solidFill>
+          <a:ln>
+            <a:noFill/>
+          </a:ln>
+        </p:spPr>
+        <p:style>
+          <a:lnRef idx="2">
+            <a:schemeClr val="accent1">
+              <a:shade val="50000"/>
+            </a:schemeClr>
+          </a:lnRef>
+          <a:fillRef idx="1">
+            <a:schemeClr val="accent1"/>
+          </a:fillRef>
+          <a:effectRef idx="0">
+            <a:schemeClr val="accent1"/>
+          </a:effectRef>
+          <a:fontRef idx="minor">
+            <a:schemeClr val="lt1"/>
+          </a:fontRef>
+        </p:style>
+        <p:txBody>
+          <a:bodyPr rtlCol="0" anchor="ctr"/>
+          <a:lstStyle/>
+          <a:p>
+            <a:pPr algn="ctr"/>
+            <a:endParaRPr lang="en-GB"/>
+          </a:p>
+        </p:txBody>
+      </p:sp>
+      <p:sp>
+        <p:nvSpPr>
+          <p:cNvPr id="5" name="Rectangle 4"/>
+          <p:cNvSpPr/>
+          <p:nvPr/>
+        </p:nvSpPr>
+        <p:spPr>
+          <a:xfrm>
+            <a:off x="179512" y="1340768"/>
+            <a:ext cx="1296144" cy="1008112"/>
+          </a:xfrm>
+          <a:prstGeom prst="rect">
+            <a:avLst/>
+          </a:prstGeom>
+          <a:solidFill>
+            <a:schemeClr val="bg1"/>
+          </a:solidFill>
+        </p:spPr>
+        <p:style>
+          <a:lnRef idx="2">
+            <a:schemeClr val="accent1">
+              <a:shade val="50000"/>
+            </a:schemeClr>
+          </a:lnRef>
+          <a:fillRef idx="1">
+            <a:schemeClr val="accent1"/>
+          </a:fillRef>
+          <a:effectRef idx="0">
+            <a:schemeClr val="accent1"/>
+          </a:effectRef>
+          <a:fontRef idx="minor">
+            <a:schemeClr val="lt1"/>
+          </a:fontRef>
+        </p:style>
+        <p:txBody>
+          <a:bodyPr rtlCol="0" anchor="ctr"/>
+          <a:lstStyle/>
+          <a:p>
+            <a:pPr algn="ctr"/>
+            <a:r>
+              <a:rPr lang="en-GB" sz="3200" smtClean="0">
+                <a:solidFill>
+                  <a:schemeClr val="tx1"/>
+                </a:solidFill>
+              </a:rPr>
+              <a:t>REST</a:t>
+            </a:r>
+            <a:endParaRPr lang="en-GB" sz="3200" dirty="0">
+              <a:solidFill>
+                <a:schemeClr val="tx1"/>
+              </a:solidFill>
+            </a:endParaRPr>
+          </a:p>
+        </p:txBody>
+      </p:sp>
+      <p:sp>
+        <p:nvSpPr>
+          <p:cNvPr id="6" name="Rectangle 5"/>
+          <p:cNvSpPr/>
+          <p:nvPr/>
+        </p:nvSpPr>
+        <p:spPr>
+          <a:xfrm>
+            <a:off x="179512" y="2636912"/>
+            <a:ext cx="1296144" cy="1008112"/>
+          </a:xfrm>
+          <a:prstGeom prst="rect">
+            <a:avLst/>
+          </a:prstGeom>
+          <a:solidFill>
+            <a:schemeClr val="bg1"/>
+          </a:solidFill>
+        </p:spPr>
+        <p:style>
+          <a:lnRef idx="2">
+            <a:schemeClr val="accent1">
+              <a:shade val="50000"/>
+            </a:schemeClr>
+          </a:lnRef>
+          <a:fillRef idx="1">
+            <a:schemeClr val="accent1"/>
+          </a:fillRef>
+          <a:effectRef idx="0">
+            <a:schemeClr val="accent1"/>
+          </a:effectRef>
+          <a:fontRef idx="minor">
+            <a:schemeClr val="lt1"/>
+          </a:fontRef>
+        </p:style>
+        <p:txBody>
+          <a:bodyPr rtlCol="0" anchor="ctr"/>
+          <a:lstStyle/>
+          <a:p>
+            <a:pPr algn="ctr"/>
+            <a:r>
+              <a:rPr lang="en-GB" sz="3200" dirty="0" smtClean="0">
+                <a:solidFill>
+                  <a:schemeClr val="tx1"/>
+                </a:solidFill>
+              </a:rPr>
+              <a:t>Web</a:t>
+            </a:r>
+            <a:br>
+              <a:rPr lang="en-GB" sz="3200" dirty="0" smtClean="0">
+                <a:solidFill>
+                  <a:schemeClr val="tx1"/>
+                </a:solidFill>
+              </a:rPr>
+            </a:br>
+            <a:r>
+              <a:rPr lang="en-GB" sz="3200" dirty="0" smtClean="0">
+                <a:solidFill>
+                  <a:schemeClr val="tx1"/>
+                </a:solidFill>
+              </a:rPr>
+              <a:t>UI</a:t>
+            </a:r>
+            <a:endParaRPr lang="en-GB" sz="3200" dirty="0">
+              <a:solidFill>
+                <a:schemeClr val="tx1"/>
+              </a:solidFill>
+            </a:endParaRPr>
+          </a:p>
+        </p:txBody>
+      </p:sp>
+      <p:sp>
+        <p:nvSpPr>
+          <p:cNvPr id="7" name="Rectangle 6"/>
+          <p:cNvSpPr/>
+          <p:nvPr/>
+        </p:nvSpPr>
+        <p:spPr>
+          <a:xfrm>
+            <a:off x="179512" y="3933056"/>
+            <a:ext cx="1296144" cy="1008112"/>
+          </a:xfrm>
+          <a:prstGeom prst="rect">
+            <a:avLst/>
+          </a:prstGeom>
+          <a:solidFill>
+            <a:schemeClr val="bg1"/>
+          </a:solidFill>
+        </p:spPr>
+        <p:style>
+          <a:lnRef idx="2">
+            <a:schemeClr val="accent1">
+              <a:shade val="50000"/>
+            </a:schemeClr>
+          </a:lnRef>
+          <a:fillRef idx="1">
+            <a:schemeClr val="accent1"/>
+          </a:fillRef>
+          <a:effectRef idx="0">
+            <a:schemeClr val="accent1"/>
+          </a:effectRef>
+          <a:fontRef idx="minor">
+            <a:schemeClr val="lt1"/>
+          </a:fontRef>
+        </p:style>
+        <p:txBody>
+          <a:bodyPr rtlCol="0" anchor="ctr"/>
+          <a:lstStyle/>
+          <a:p>
+            <a:pPr algn="ctr"/>
+            <a:r>
+              <a:rPr lang="en-GB" sz="3200" dirty="0" smtClean="0">
+                <a:solidFill>
+                  <a:schemeClr val="tx1"/>
+                </a:solidFill>
+              </a:rPr>
+              <a:t>Tests</a:t>
+            </a:r>
+            <a:endParaRPr lang="en-GB" sz="3200" dirty="0">
+              <a:solidFill>
+                <a:schemeClr val="tx1"/>
+              </a:solidFill>
+            </a:endParaRPr>
+          </a:p>
+        </p:txBody>
+      </p:sp>
+      <p:cxnSp>
+        <p:nvCxnSpPr>
+          <p:cNvPr id="8" name="Curved Connector 7"/>
+          <p:cNvCxnSpPr>
+            <a:stCxn id="5" idx="3"/>
+            <a:endCxn id="2" idx="0"/>
+          </p:cNvCxnSpPr>
+          <p:nvPr/>
+        </p:nvCxnSpPr>
+        <p:spPr>
+          <a:xfrm>
+            <a:off x="1475656" y="1844824"/>
+            <a:ext cx="504056" cy="1152128"/>
+          </a:xfrm>
+          <a:prstGeom prst="curvedConnector2">
+            <a:avLst/>
+          </a:prstGeom>
+          <a:ln w="22225">
+            <a:solidFill>
+              <a:schemeClr val="tx2"/>
+            </a:solidFill>
+            <a:prstDash val="dash"/>
+            <a:tailEnd type="none"/>
+          </a:ln>
+        </p:spPr>
+        <p:style>
+          <a:lnRef idx="1">
+            <a:schemeClr val="accent1"/>
+          </a:lnRef>
+          <a:fillRef idx="0">
+            <a:schemeClr val="accent1"/>
+          </a:fillRef>
+          <a:effectRef idx="0">
+            <a:schemeClr val="accent1"/>
+          </a:effectRef>
+          <a:fontRef idx="minor">
+            <a:schemeClr val="tx1"/>
+          </a:fontRef>
+        </p:style>
+      </p:cxnSp>
+      <p:cxnSp>
+        <p:nvCxnSpPr>
+          <p:cNvPr id="9" name="Curved Connector 8"/>
+          <p:cNvCxnSpPr>
+            <a:stCxn id="6" idx="3"/>
+            <a:endCxn id="2" idx="2"/>
+          </p:cNvCxnSpPr>
+          <p:nvPr/>
+        </p:nvCxnSpPr>
+        <p:spPr>
+          <a:xfrm flipV="1">
+            <a:off x="1475656" y="3104964"/>
+            <a:ext cx="360040" cy="36004"/>
+          </a:xfrm>
+          <a:prstGeom prst="curvedConnector3">
+            <a:avLst/>
+          </a:prstGeom>
+          <a:ln w="22225">
+            <a:solidFill>
+              <a:schemeClr val="tx2"/>
+            </a:solidFill>
+            <a:prstDash val="dash"/>
+            <a:tailEnd type="none"/>
+          </a:ln>
+        </p:spPr>
+        <p:style>
+          <a:lnRef idx="1">
+            <a:schemeClr val="accent1"/>
+          </a:lnRef>
+          <a:fillRef idx="0">
+            <a:schemeClr val="accent1"/>
+          </a:fillRef>
+          <a:effectRef idx="0">
+            <a:schemeClr val="accent1"/>
+          </a:effectRef>
+          <a:fontRef idx="minor">
+            <a:schemeClr val="tx1"/>
+          </a:fontRef>
+        </p:style>
+      </p:cxnSp>
+      <p:cxnSp>
+        <p:nvCxnSpPr>
+          <p:cNvPr id="12" name="Curved Connector 11"/>
+          <p:cNvCxnSpPr>
+            <a:stCxn id="7" idx="3"/>
+            <a:endCxn id="2" idx="4"/>
+          </p:cNvCxnSpPr>
+          <p:nvPr/>
+        </p:nvCxnSpPr>
+        <p:spPr>
+          <a:xfrm flipV="1">
+            <a:off x="1475656" y="3212976"/>
+            <a:ext cx="504056" cy="1224136"/>
+          </a:xfrm>
+          <a:prstGeom prst="curvedConnector2">
+            <a:avLst/>
+          </a:prstGeom>
+          <a:ln w="22225">
+            <a:solidFill>
+              <a:schemeClr val="tx2"/>
+            </a:solidFill>
+            <a:prstDash val="dash"/>
+            <a:tailEnd type="none"/>
+          </a:ln>
+        </p:spPr>
+        <p:style>
+          <a:lnRef idx="1">
+            <a:schemeClr val="accent1"/>
+          </a:lnRef>
+          <a:fillRef idx="0">
+            <a:schemeClr val="accent1"/>
+          </a:fillRef>
+          <a:effectRef idx="0">
+            <a:schemeClr val="accent1"/>
+          </a:effectRef>
+          <a:fontRef idx="minor">
+            <a:schemeClr val="tx1"/>
+          </a:fontRef>
+        </p:style>
+      </p:cxnSp>
+      <p:sp>
+        <p:nvSpPr>
+          <p:cNvPr id="17" name="Oval 16"/>
+          <p:cNvSpPr/>
+          <p:nvPr/>
+        </p:nvSpPr>
+        <p:spPr>
+          <a:xfrm>
+            <a:off x="7020272" y="3050958"/>
+            <a:ext cx="288032" cy="216024"/>
+          </a:xfrm>
+          <a:prstGeom prst="ellipse">
+            <a:avLst/>
+          </a:prstGeom>
+          <a:solidFill>
+            <a:schemeClr val="tx1">
+              <a:lumMod val="65000"/>
+              <a:lumOff val="35000"/>
+            </a:schemeClr>
+          </a:solidFill>
+          <a:ln>
+            <a:noFill/>
+          </a:ln>
+        </p:spPr>
+        <p:style>
+          <a:lnRef idx="2">
+            <a:schemeClr val="accent1">
+              <a:shade val="50000"/>
+            </a:schemeClr>
+          </a:lnRef>
+          <a:fillRef idx="1">
+            <a:schemeClr val="accent1"/>
+          </a:fillRef>
+          <a:effectRef idx="0">
+            <a:schemeClr val="accent1"/>
+          </a:effectRef>
+          <a:fontRef idx="minor">
+            <a:schemeClr val="lt1"/>
+          </a:fontRef>
+        </p:style>
+        <p:txBody>
+          <a:bodyPr rtlCol="0" anchor="ctr"/>
+          <a:lstStyle/>
+          <a:p>
+            <a:pPr algn="ctr"/>
+            <a:endParaRPr lang="en-GB"/>
+          </a:p>
+        </p:txBody>
+      </p:sp>
+      <p:sp>
+        <p:nvSpPr>
+          <p:cNvPr id="18" name="Rectangle 17"/>
+          <p:cNvSpPr/>
+          <p:nvPr/>
+        </p:nvSpPr>
+        <p:spPr>
+          <a:xfrm>
+            <a:off x="7740352" y="1340768"/>
+            <a:ext cx="1296144" cy="1008112"/>
+          </a:xfrm>
+          <a:prstGeom prst="rect">
+            <a:avLst/>
+          </a:prstGeom>
+          <a:solidFill>
+            <a:schemeClr val="bg1"/>
+          </a:solidFill>
+        </p:spPr>
+        <p:style>
+          <a:lnRef idx="2">
+            <a:schemeClr val="accent1">
+              <a:shade val="50000"/>
+            </a:schemeClr>
+          </a:lnRef>
+          <a:fillRef idx="1">
+            <a:schemeClr val="accent1"/>
+          </a:fillRef>
+          <a:effectRef idx="0">
+            <a:schemeClr val="accent1"/>
+          </a:effectRef>
+          <a:fontRef idx="minor">
+            <a:schemeClr val="lt1"/>
+          </a:fontRef>
+        </p:style>
+        <p:txBody>
+          <a:bodyPr rtlCol="0" anchor="ctr"/>
+          <a:lstStyle/>
+          <a:p>
+            <a:pPr algn="ctr"/>
+            <a:r>
+              <a:rPr lang="en-GB" sz="2800" dirty="0" smtClean="0">
+                <a:solidFill>
+                  <a:schemeClr val="tx1"/>
+                </a:solidFill>
+              </a:rPr>
+              <a:t>Mongo</a:t>
+            </a:r>
+            <a:endParaRPr lang="en-GB" sz="2800" dirty="0">
+              <a:solidFill>
+                <a:schemeClr val="tx1"/>
+              </a:solidFill>
+            </a:endParaRPr>
+          </a:p>
+        </p:txBody>
+      </p:sp>
+      <p:sp>
+        <p:nvSpPr>
+          <p:cNvPr id="19" name="Rectangle 18"/>
+          <p:cNvSpPr/>
+          <p:nvPr/>
+        </p:nvSpPr>
+        <p:spPr>
+          <a:xfrm>
+            <a:off x="7740352" y="2636912"/>
+            <a:ext cx="1296144" cy="1008112"/>
+          </a:xfrm>
+          <a:prstGeom prst="rect">
+            <a:avLst/>
+          </a:prstGeom>
+          <a:solidFill>
+            <a:schemeClr val="bg1"/>
+          </a:solidFill>
+        </p:spPr>
+        <p:style>
+          <a:lnRef idx="2">
+            <a:schemeClr val="accent1">
+              <a:shade val="50000"/>
+            </a:schemeClr>
+          </a:lnRef>
+          <a:fillRef idx="1">
+            <a:schemeClr val="accent1"/>
+          </a:fillRef>
+          <a:effectRef idx="0">
+            <a:schemeClr val="accent1"/>
+          </a:effectRef>
+          <a:fontRef idx="minor">
+            <a:schemeClr val="lt1"/>
+          </a:fontRef>
+        </p:style>
+        <p:txBody>
+          <a:bodyPr rtlCol="0" anchor="ctr"/>
+          <a:lstStyle/>
+          <a:p>
+            <a:pPr algn="ctr"/>
+            <a:r>
+              <a:rPr lang="en-GB" sz="2800" dirty="0" smtClean="0">
+                <a:solidFill>
+                  <a:schemeClr val="tx1"/>
+                </a:solidFill>
+              </a:rPr>
+              <a:t>RDBMS</a:t>
+            </a:r>
+            <a:endParaRPr lang="en-GB" sz="2800" dirty="0">
+              <a:solidFill>
+                <a:schemeClr val="tx1"/>
+              </a:solidFill>
+            </a:endParaRPr>
+          </a:p>
+        </p:txBody>
+      </p:sp>
+      <p:sp>
+        <p:nvSpPr>
+          <p:cNvPr id="20" name="Rectangle 19"/>
+          <p:cNvSpPr/>
+          <p:nvPr/>
+        </p:nvSpPr>
+        <p:spPr>
+          <a:xfrm>
+            <a:off x="7740352" y="3933056"/>
+            <a:ext cx="1296144" cy="1008112"/>
+          </a:xfrm>
+          <a:prstGeom prst="rect">
+            <a:avLst/>
+          </a:prstGeom>
+          <a:solidFill>
+            <a:schemeClr val="bg1"/>
+          </a:solidFill>
+        </p:spPr>
+        <p:style>
+          <a:lnRef idx="2">
+            <a:schemeClr val="accent1">
+              <a:shade val="50000"/>
+            </a:schemeClr>
+          </a:lnRef>
+          <a:fillRef idx="1">
+            <a:schemeClr val="accent1"/>
+          </a:fillRef>
+          <a:effectRef idx="0">
+            <a:schemeClr val="accent1"/>
+          </a:effectRef>
+          <a:fontRef idx="minor">
+            <a:schemeClr val="lt1"/>
+          </a:fontRef>
+        </p:style>
+        <p:txBody>
+          <a:bodyPr rtlCol="0" anchor="ctr"/>
+          <a:lstStyle/>
+          <a:p>
+            <a:pPr algn="ctr"/>
+            <a:r>
+              <a:rPr lang="en-GB" sz="3200" dirty="0" smtClean="0">
+                <a:solidFill>
+                  <a:schemeClr val="tx1"/>
+                </a:solidFill>
+              </a:rPr>
+              <a:t>Neo4J</a:t>
+            </a:r>
+            <a:endParaRPr lang="en-GB" sz="3200" dirty="0">
+              <a:solidFill>
+                <a:schemeClr val="tx1"/>
+              </a:solidFill>
+            </a:endParaRPr>
+          </a:p>
+        </p:txBody>
+      </p:sp>
+      <p:cxnSp>
+        <p:nvCxnSpPr>
+          <p:cNvPr id="21" name="Curved Connector 20"/>
+          <p:cNvCxnSpPr>
+            <a:stCxn id="18" idx="1"/>
+            <a:endCxn id="17" idx="0"/>
+          </p:cNvCxnSpPr>
+          <p:nvPr/>
+        </p:nvCxnSpPr>
+        <p:spPr>
+          <a:xfrm rot="10800000" flipV="1">
+            <a:off x="7164288" y="1844824"/>
+            <a:ext cx="576064" cy="1206134"/>
+          </a:xfrm>
+          <a:prstGeom prst="curvedConnector2">
+            <a:avLst/>
+          </a:prstGeom>
+          <a:ln w="22225">
+            <a:solidFill>
+              <a:schemeClr val="tx2"/>
+            </a:solidFill>
+            <a:prstDash val="dash"/>
+            <a:tailEnd type="none"/>
+          </a:ln>
+        </p:spPr>
+        <p:style>
+          <a:lnRef idx="1">
+            <a:schemeClr val="accent1"/>
+          </a:lnRef>
+          <a:fillRef idx="0">
+            <a:schemeClr val="accent1"/>
+          </a:fillRef>
+          <a:effectRef idx="0">
+            <a:schemeClr val="accent1"/>
+          </a:effectRef>
+          <a:fontRef idx="minor">
+            <a:schemeClr val="tx1"/>
+          </a:fontRef>
+        </p:style>
+      </p:cxnSp>
+      <p:cxnSp>
+        <p:nvCxnSpPr>
+          <p:cNvPr id="22" name="Curved Connector 21"/>
+          <p:cNvCxnSpPr>
+            <a:stCxn id="19" idx="1"/>
+            <a:endCxn id="17" idx="6"/>
+          </p:cNvCxnSpPr>
+          <p:nvPr/>
+        </p:nvCxnSpPr>
+        <p:spPr>
+          <a:xfrm rot="10800000" flipV="1">
+            <a:off x="7308304" y="3140968"/>
+            <a:ext cx="432048" cy="18002"/>
+          </a:xfrm>
+          <a:prstGeom prst="curvedConnector3">
+            <a:avLst>
+              <a:gd name="adj1" fmla="val 50000"/>
+            </a:avLst>
+          </a:prstGeom>
+          <a:ln w="22225">
+            <a:solidFill>
+              <a:schemeClr val="tx2"/>
+            </a:solidFill>
+            <a:prstDash val="dash"/>
+            <a:tailEnd type="none"/>
+          </a:ln>
+        </p:spPr>
+        <p:style>
+          <a:lnRef idx="1">
+            <a:schemeClr val="accent1"/>
+          </a:lnRef>
+          <a:fillRef idx="0">
+            <a:schemeClr val="accent1"/>
+          </a:fillRef>
+          <a:effectRef idx="0">
+            <a:schemeClr val="accent1"/>
+          </a:effectRef>
+          <a:fontRef idx="minor">
+            <a:schemeClr val="tx1"/>
+          </a:fontRef>
+        </p:style>
+      </p:cxnSp>
+      <p:cxnSp>
+        <p:nvCxnSpPr>
+          <p:cNvPr id="23" name="Curved Connector 22"/>
+          <p:cNvCxnSpPr>
+            <a:stCxn id="20" idx="1"/>
+            <a:endCxn id="17" idx="4"/>
+          </p:cNvCxnSpPr>
+          <p:nvPr/>
+        </p:nvCxnSpPr>
+        <p:spPr>
+          <a:xfrm rot="10800000">
+            <a:off x="7164288" y="3266982"/>
+            <a:ext cx="576064" cy="1170130"/>
+          </a:xfrm>
+          <a:prstGeom prst="curvedConnector2">
+            <a:avLst/>
+          </a:prstGeom>
+          <a:ln w="22225">
+            <a:solidFill>
+              <a:schemeClr val="tx2"/>
+            </a:solidFill>
+            <a:prstDash val="dash"/>
+            <a:tailEnd type="none"/>
+          </a:ln>
+        </p:spPr>
+        <p:style>
+          <a:lnRef idx="1">
+            <a:schemeClr val="accent1"/>
+          </a:lnRef>
+          <a:fillRef idx="0">
+            <a:schemeClr val="accent1"/>
+          </a:fillRef>
+          <a:effectRef idx="0">
+            <a:schemeClr val="accent1"/>
+          </a:effectRef>
+          <a:fontRef idx="minor">
+            <a:schemeClr val="tx1"/>
+          </a:fontRef>
+        </p:style>
+      </p:cxnSp>
+      <p:grpSp>
+        <p:nvGrpSpPr>
+          <p:cNvPr id="10" name="Group 9"/>
+          <p:cNvGrpSpPr/>
+          <p:nvPr/>
+        </p:nvGrpSpPr>
+        <p:grpSpPr>
+          <a:xfrm>
+            <a:off x="1979712" y="1052736"/>
+            <a:ext cx="432048" cy="4320480"/>
+            <a:chOff x="1979712" y="1052736"/>
+            <a:chExt cx="432048" cy="4320480"/>
+          </a:xfrm>
+        </p:grpSpPr>
+        <p:sp>
+          <p:nvSpPr>
+            <p:cNvPr id="3" name="Rectangle 2"/>
+            <p:cNvSpPr/>
+            <p:nvPr/>
+          </p:nvSpPr>
+          <p:spPr>
+            <a:xfrm>
+              <a:off x="1979712" y="1052736"/>
+              <a:ext cx="432048" cy="4320480"/>
+            </a:xfrm>
+            <a:prstGeom prst="rect">
+              <a:avLst/>
+            </a:prstGeom>
+            <a:solidFill>
+              <a:schemeClr val="accent2"/>
+            </a:solidFill>
+          </p:spPr>
+          <p:style>
+            <a:lnRef idx="2">
+              <a:schemeClr val="accent1">
+                <a:shade val="50000"/>
+              </a:schemeClr>
+            </a:lnRef>
+            <a:fillRef idx="1">
+              <a:schemeClr val="accent1"/>
+            </a:fillRef>
+            <a:effectRef idx="0">
+              <a:schemeClr val="accent1"/>
+            </a:effectRef>
+            <a:fontRef idx="minor">
+              <a:schemeClr val="lt1"/>
+            </a:fontRef>
+          </p:style>
+          <p:txBody>
+            <a:bodyPr rtlCol="0" anchor="ctr"/>
+            <a:lstStyle/>
+            <a:p>
+              <a:pPr algn="ctr"/>
+              <a:endParaRPr lang="en-GB"/>
+            </a:p>
+          </p:txBody>
+        </p:sp>
+        <p:sp>
+          <p:nvSpPr>
+            <p:cNvPr id="24" name="Rectangle 23"/>
+            <p:cNvSpPr/>
+            <p:nvPr/>
+          </p:nvSpPr>
+          <p:spPr>
+            <a:xfrm>
+              <a:off x="1979712" y="1052736"/>
+              <a:ext cx="216024" cy="288032"/>
+            </a:xfrm>
+            <a:prstGeom prst="rect">
+              <a:avLst/>
+            </a:prstGeom>
+            <a:solidFill>
+              <a:schemeClr val="accent2"/>
+            </a:solidFill>
+            <a:ln>
+              <a:solidFill>
+                <a:schemeClr val="tx1">
+                  <a:lumMod val="65000"/>
+                  <a:lumOff val="35000"/>
+                </a:schemeClr>
+              </a:solidFill>
+            </a:ln>
+          </p:spPr>
+          <p:style>
+            <a:lnRef idx="2">
+              <a:schemeClr val="accent1">
+                <a:shade val="50000"/>
+              </a:schemeClr>
+            </a:lnRef>
+            <a:fillRef idx="1">
+              <a:schemeClr val="accent1"/>
+            </a:fillRef>
+            <a:effectRef idx="0">
+              <a:schemeClr val="accent1"/>
+            </a:effectRef>
+            <a:fontRef idx="minor">
+              <a:schemeClr val="lt1"/>
+            </a:fontRef>
+          </p:style>
+          <p:txBody>
+            <a:bodyPr rtlCol="0" anchor="ctr"/>
+            <a:lstStyle/>
+            <a:p>
+              <a:pPr algn="ctr"/>
+              <a:endParaRPr lang="en-GB"/>
+            </a:p>
+          </p:txBody>
+        </p:sp>
+        <p:sp>
+          <p:nvSpPr>
+            <p:cNvPr id="25" name="Rectangle 24"/>
+            <p:cNvSpPr/>
+            <p:nvPr/>
+          </p:nvSpPr>
+          <p:spPr>
+            <a:xfrm>
+              <a:off x="2195736" y="1052736"/>
+              <a:ext cx="216024" cy="288032"/>
+            </a:xfrm>
+            <a:prstGeom prst="rect">
+              <a:avLst/>
+            </a:prstGeom>
+            <a:solidFill>
+              <a:schemeClr val="accent2"/>
+            </a:solidFill>
+            <a:ln>
+              <a:solidFill>
+                <a:schemeClr val="tx1">
+                  <a:lumMod val="65000"/>
+                  <a:lumOff val="35000"/>
+                </a:schemeClr>
+              </a:solidFill>
+            </a:ln>
+          </p:spPr>
+          <p:style>
+            <a:lnRef idx="2">
+              <a:schemeClr val="accent1">
+                <a:shade val="50000"/>
+              </a:schemeClr>
+            </a:lnRef>
+            <a:fillRef idx="1">
+              <a:schemeClr val="accent1"/>
+            </a:fillRef>
+            <a:effectRef idx="0">
+              <a:schemeClr val="accent1"/>
+            </a:effectRef>
+            <a:fontRef idx="minor">
+              <a:schemeClr val="lt1"/>
+            </a:fontRef>
+          </p:style>
+          <p:txBody>
+            <a:bodyPr rtlCol="0" anchor="ctr"/>
+            <a:lstStyle/>
+            <a:p>
+              <a:pPr algn="ctr"/>
+              <a:endParaRPr lang="en-GB"/>
+            </a:p>
+          </p:txBody>
+        </p:sp>
+        <p:sp>
+          <p:nvSpPr>
+            <p:cNvPr id="26" name="Rectangle 25"/>
+            <p:cNvSpPr/>
+            <p:nvPr/>
+          </p:nvSpPr>
+          <p:spPr>
+            <a:xfrm>
+              <a:off x="1979712" y="1628800"/>
+              <a:ext cx="216024" cy="288032"/>
+            </a:xfrm>
+            <a:prstGeom prst="rect">
+              <a:avLst/>
+            </a:prstGeom>
+            <a:solidFill>
+              <a:schemeClr val="accent2"/>
+            </a:solidFill>
+            <a:ln>
+              <a:solidFill>
+                <a:schemeClr val="tx1">
+                  <a:lumMod val="65000"/>
+                  <a:lumOff val="35000"/>
+                </a:schemeClr>
+              </a:solidFill>
+            </a:ln>
+          </p:spPr>
+          <p:style>
+            <a:lnRef idx="2">
+              <a:schemeClr val="accent1">
+                <a:shade val="50000"/>
+              </a:schemeClr>
+            </a:lnRef>
+            <a:fillRef idx="1">
+              <a:schemeClr val="accent1"/>
+            </a:fillRef>
+            <a:effectRef idx="0">
+              <a:schemeClr val="accent1"/>
+            </a:effectRef>
+            <a:fontRef idx="minor">
+              <a:schemeClr val="lt1"/>
+            </a:fontRef>
+          </p:style>
+          <p:txBody>
+            <a:bodyPr rtlCol="0" anchor="ctr"/>
+            <a:lstStyle/>
+            <a:p>
+              <a:pPr algn="ctr"/>
+              <a:endParaRPr lang="en-GB"/>
+            </a:p>
+          </p:txBody>
+        </p:sp>
+        <p:sp>
+          <p:nvSpPr>
+            <p:cNvPr id="27" name="Rectangle 26"/>
+            <p:cNvSpPr/>
+            <p:nvPr/>
+          </p:nvSpPr>
+          <p:spPr>
+            <a:xfrm>
+              <a:off x="2195736" y="1628800"/>
+              <a:ext cx="216024" cy="288032"/>
+            </a:xfrm>
+            <a:prstGeom prst="rect">
+              <a:avLst/>
+            </a:prstGeom>
+            <a:solidFill>
+              <a:schemeClr val="accent2"/>
+            </a:solidFill>
+            <a:ln>
+              <a:solidFill>
+                <a:schemeClr val="tx1">
+                  <a:lumMod val="65000"/>
+                  <a:lumOff val="35000"/>
+                </a:schemeClr>
+              </a:solidFill>
+            </a:ln>
+          </p:spPr>
+          <p:style>
+            <a:lnRef idx="2">
+              <a:schemeClr val="accent1">
+                <a:shade val="50000"/>
+              </a:schemeClr>
+            </a:lnRef>
+            <a:fillRef idx="1">
+              <a:schemeClr val="accent1"/>
+            </a:fillRef>
+            <a:effectRef idx="0">
+              <a:schemeClr val="accent1"/>
+            </a:effectRef>
+            <a:fontRef idx="minor">
+              <a:schemeClr val="lt1"/>
+            </a:fontRef>
+          </p:style>
+          <p:txBody>
+            <a:bodyPr rtlCol="0" anchor="ctr"/>
+            <a:lstStyle/>
+            <a:p>
+              <a:pPr algn="ctr"/>
+              <a:endParaRPr lang="en-GB"/>
+            </a:p>
+          </p:txBody>
+        </p:sp>
+        <p:sp>
+          <p:nvSpPr>
+            <p:cNvPr id="28" name="Rectangle 27"/>
+            <p:cNvSpPr/>
+            <p:nvPr/>
+          </p:nvSpPr>
+          <p:spPr>
+            <a:xfrm>
+              <a:off x="1979712" y="2204864"/>
+              <a:ext cx="216024" cy="288032"/>
+            </a:xfrm>
+            <a:prstGeom prst="rect">
+              <a:avLst/>
+            </a:prstGeom>
+            <a:solidFill>
+              <a:schemeClr val="accent2"/>
+            </a:solidFill>
+            <a:ln>
+              <a:solidFill>
+                <a:schemeClr val="tx1">
+                  <a:lumMod val="65000"/>
+                  <a:lumOff val="35000"/>
+                </a:schemeClr>
+              </a:solidFill>
+            </a:ln>
+          </p:spPr>
+          <p:style>
+            <a:lnRef idx="2">
+              <a:schemeClr val="accent1">
+                <a:shade val="50000"/>
+              </a:schemeClr>
+            </a:lnRef>
+            <a:fillRef idx="1">
+              <a:schemeClr val="accent1"/>
+            </a:fillRef>
+            <a:effectRef idx="0">
+              <a:schemeClr val="accent1"/>
+            </a:effectRef>
+            <a:fontRef idx="minor">
+              <a:schemeClr val="lt1"/>
+            </a:fontRef>
+          </p:style>
+          <p:txBody>
+            <a:bodyPr rtlCol="0" anchor="ctr"/>
+            <a:lstStyle/>
+            <a:p>
+              <a:pPr algn="ctr"/>
+              <a:endParaRPr lang="en-GB"/>
+            </a:p>
+          </p:txBody>
+        </p:sp>
+        <p:sp>
+          <p:nvSpPr>
+            <p:cNvPr id="29" name="Rectangle 28"/>
+            <p:cNvSpPr/>
+            <p:nvPr/>
+          </p:nvSpPr>
+          <p:spPr>
+            <a:xfrm>
+              <a:off x="2195736" y="2204864"/>
+              <a:ext cx="216024" cy="288032"/>
+            </a:xfrm>
+            <a:prstGeom prst="rect">
+              <a:avLst/>
+            </a:prstGeom>
+            <a:solidFill>
+              <a:schemeClr val="accent2"/>
+            </a:solidFill>
+            <a:ln>
+              <a:solidFill>
+                <a:schemeClr val="tx1">
+                  <a:lumMod val="65000"/>
+                  <a:lumOff val="35000"/>
+                </a:schemeClr>
+              </a:solidFill>
+            </a:ln>
+          </p:spPr>
+          <p:style>
+            <a:lnRef idx="2">
+              <a:schemeClr val="accent1">
+                <a:shade val="50000"/>
+              </a:schemeClr>
+            </a:lnRef>
+            <a:fillRef idx="1">
+              <a:schemeClr val="accent1"/>
+            </a:fillRef>
+            <a:effectRef idx="0">
+              <a:schemeClr val="accent1"/>
+            </a:effectRef>
+            <a:fontRef idx="minor">
+              <a:schemeClr val="lt1"/>
+            </a:fontRef>
+          </p:style>
+          <p:txBody>
+            <a:bodyPr rtlCol="0" anchor="ctr"/>
+            <a:lstStyle/>
+            <a:p>
+              <a:pPr algn="ctr"/>
+              <a:endParaRPr lang="en-GB"/>
+            </a:p>
+          </p:txBody>
+        </p:sp>
+        <p:sp>
+          <p:nvSpPr>
+            <p:cNvPr id="30" name="Rectangle 29"/>
+            <p:cNvSpPr/>
+            <p:nvPr/>
+          </p:nvSpPr>
+          <p:spPr>
+            <a:xfrm>
+              <a:off x="1979712" y="2780928"/>
+              <a:ext cx="216024" cy="288032"/>
+            </a:xfrm>
+            <a:prstGeom prst="rect">
+              <a:avLst/>
+            </a:prstGeom>
+            <a:solidFill>
+              <a:schemeClr val="accent2"/>
+            </a:solidFill>
+            <a:ln>
+              <a:solidFill>
+                <a:schemeClr val="tx1">
+                  <a:lumMod val="65000"/>
+                  <a:lumOff val="35000"/>
+                </a:schemeClr>
+              </a:solidFill>
+            </a:ln>
+          </p:spPr>
+          <p:style>
+            <a:lnRef idx="2">
+              <a:schemeClr val="accent1">
+                <a:shade val="50000"/>
+              </a:schemeClr>
+            </a:lnRef>
+            <a:fillRef idx="1">
+              <a:schemeClr val="accent1"/>
+            </a:fillRef>
+            <a:effectRef idx="0">
+              <a:schemeClr val="accent1"/>
+            </a:effectRef>
+            <a:fontRef idx="minor">
+              <a:schemeClr val="lt1"/>
+            </a:fontRef>
+          </p:style>
+          <p:txBody>
+            <a:bodyPr rtlCol="0" anchor="ctr"/>
+            <a:lstStyle/>
+            <a:p>
+              <a:pPr algn="ctr"/>
+              <a:endParaRPr lang="en-GB"/>
+            </a:p>
+          </p:txBody>
+        </p:sp>
+        <p:sp>
+          <p:nvSpPr>
+            <p:cNvPr id="31" name="Rectangle 30"/>
+            <p:cNvSpPr/>
+            <p:nvPr/>
+          </p:nvSpPr>
+          <p:spPr>
+            <a:xfrm>
+              <a:off x="2195736" y="2780928"/>
+              <a:ext cx="216024" cy="288032"/>
+            </a:xfrm>
+            <a:prstGeom prst="rect">
+              <a:avLst/>
+            </a:prstGeom>
+            <a:solidFill>
+              <a:schemeClr val="accent2"/>
+            </a:solidFill>
+            <a:ln>
+              <a:solidFill>
+                <a:schemeClr val="tx1">
+                  <a:lumMod val="65000"/>
+                  <a:lumOff val="35000"/>
+                </a:schemeClr>
+              </a:solidFill>
+            </a:ln>
+          </p:spPr>
+          <p:style>
+            <a:lnRef idx="2">
+              <a:schemeClr val="accent1">
+                <a:shade val="50000"/>
+              </a:schemeClr>
+            </a:lnRef>
+            <a:fillRef idx="1">
+              <a:schemeClr val="accent1"/>
+            </a:fillRef>
+            <a:effectRef idx="0">
+              <a:schemeClr val="accent1"/>
+            </a:effectRef>
+            <a:fontRef idx="minor">
+              <a:schemeClr val="lt1"/>
+            </a:fontRef>
+          </p:style>
+          <p:txBody>
+            <a:bodyPr rtlCol="0" anchor="ctr"/>
+            <a:lstStyle/>
+            <a:p>
+              <a:pPr algn="ctr"/>
+              <a:endParaRPr lang="en-GB"/>
+            </a:p>
+          </p:txBody>
+        </p:sp>
+        <p:sp>
+          <p:nvSpPr>
+            <p:cNvPr id="32" name="Rectangle 31"/>
+            <p:cNvSpPr/>
+            <p:nvPr/>
+          </p:nvSpPr>
+          <p:spPr>
+            <a:xfrm>
+              <a:off x="1979712" y="3356992"/>
+              <a:ext cx="216024" cy="288032"/>
+            </a:xfrm>
+            <a:prstGeom prst="rect">
+              <a:avLst/>
+            </a:prstGeom>
+            <a:solidFill>
+              <a:schemeClr val="accent2"/>
+            </a:solidFill>
+            <a:ln>
+              <a:solidFill>
+                <a:schemeClr val="tx1">
+                  <a:lumMod val="65000"/>
+                  <a:lumOff val="35000"/>
+                </a:schemeClr>
+              </a:solidFill>
+            </a:ln>
+          </p:spPr>
+          <p:style>
+            <a:lnRef idx="2">
+              <a:schemeClr val="accent1">
+                <a:shade val="50000"/>
+              </a:schemeClr>
+            </a:lnRef>
+            <a:fillRef idx="1">
+              <a:schemeClr val="accent1"/>
+            </a:fillRef>
+            <a:effectRef idx="0">
+              <a:schemeClr val="accent1"/>
+            </a:effectRef>
+            <a:fontRef idx="minor">
+              <a:schemeClr val="lt1"/>
+            </a:fontRef>
+          </p:style>
+          <p:txBody>
+            <a:bodyPr rtlCol="0" anchor="ctr"/>
+            <a:lstStyle/>
+            <a:p>
+              <a:pPr algn="ctr"/>
+              <a:endParaRPr lang="en-GB"/>
+            </a:p>
+          </p:txBody>
+        </p:sp>
+        <p:sp>
+          <p:nvSpPr>
+            <p:cNvPr id="33" name="Rectangle 32"/>
+            <p:cNvSpPr/>
+            <p:nvPr/>
+          </p:nvSpPr>
+          <p:spPr>
+            <a:xfrm>
+              <a:off x="2195736" y="3356992"/>
+              <a:ext cx="216024" cy="288032"/>
+            </a:xfrm>
+            <a:prstGeom prst="rect">
+              <a:avLst/>
+            </a:prstGeom>
+            <a:solidFill>
+              <a:schemeClr val="accent2"/>
+            </a:solidFill>
+            <a:ln>
+              <a:solidFill>
+                <a:schemeClr val="tx1">
+                  <a:lumMod val="65000"/>
+                  <a:lumOff val="35000"/>
+                </a:schemeClr>
+              </a:solidFill>
+            </a:ln>
+          </p:spPr>
+          <p:style>
+            <a:lnRef idx="2">
+              <a:schemeClr val="accent1">
+                <a:shade val="50000"/>
+              </a:schemeClr>
+            </a:lnRef>
+            <a:fillRef idx="1">
+              <a:schemeClr val="accent1"/>
+            </a:fillRef>
+            <a:effectRef idx="0">
+              <a:schemeClr val="accent1"/>
+            </a:effectRef>
+            <a:fontRef idx="minor">
+              <a:schemeClr val="lt1"/>
+            </a:fontRef>
+          </p:style>
+          <p:txBody>
+            <a:bodyPr rtlCol="0" anchor="ctr"/>
+            <a:lstStyle/>
+            <a:p>
+              <a:pPr algn="ctr"/>
+              <a:endParaRPr lang="en-GB"/>
+            </a:p>
+          </p:txBody>
+        </p:sp>
+        <p:sp>
+          <p:nvSpPr>
+            <p:cNvPr id="34" name="Rectangle 33"/>
+            <p:cNvSpPr/>
+            <p:nvPr/>
+          </p:nvSpPr>
+          <p:spPr>
+            <a:xfrm>
+              <a:off x="1979712" y="3933056"/>
+              <a:ext cx="216024" cy="288032"/>
+            </a:xfrm>
+            <a:prstGeom prst="rect">
+              <a:avLst/>
+            </a:prstGeom>
+            <a:solidFill>
+              <a:schemeClr val="accent2"/>
+            </a:solidFill>
+            <a:ln>
+              <a:solidFill>
+                <a:schemeClr val="tx1">
+                  <a:lumMod val="65000"/>
+                  <a:lumOff val="35000"/>
+                </a:schemeClr>
+              </a:solidFill>
+            </a:ln>
+          </p:spPr>
+          <p:style>
+            <a:lnRef idx="2">
+              <a:schemeClr val="accent1">
+                <a:shade val="50000"/>
+              </a:schemeClr>
+            </a:lnRef>
+            <a:fillRef idx="1">
+              <a:schemeClr val="accent1"/>
+            </a:fillRef>
+            <a:effectRef idx="0">
+              <a:schemeClr val="accent1"/>
+            </a:effectRef>
+            <a:fontRef idx="minor">
+              <a:schemeClr val="lt1"/>
+            </a:fontRef>
+          </p:style>
+          <p:txBody>
+            <a:bodyPr rtlCol="0" anchor="ctr"/>
+            <a:lstStyle/>
+            <a:p>
+              <a:pPr algn="ctr"/>
+              <a:endParaRPr lang="en-GB"/>
+            </a:p>
+          </p:txBody>
+        </p:sp>
+        <p:sp>
+          <p:nvSpPr>
+            <p:cNvPr id="35" name="Rectangle 34"/>
+            <p:cNvSpPr/>
+            <p:nvPr/>
+          </p:nvSpPr>
+          <p:spPr>
+            <a:xfrm>
+              <a:off x="2195736" y="3933056"/>
+              <a:ext cx="216024" cy="288032"/>
+            </a:xfrm>
+            <a:prstGeom prst="rect">
+              <a:avLst/>
+            </a:prstGeom>
+            <a:solidFill>
+              <a:schemeClr val="accent2"/>
+            </a:solidFill>
+            <a:ln>
+              <a:solidFill>
+                <a:schemeClr val="tx1">
+                  <a:lumMod val="65000"/>
+                  <a:lumOff val="35000"/>
+                </a:schemeClr>
+              </a:solidFill>
+            </a:ln>
+          </p:spPr>
+          <p:style>
+            <a:lnRef idx="2">
+              <a:schemeClr val="accent1">
+                <a:shade val="50000"/>
+              </a:schemeClr>
+            </a:lnRef>
+            <a:fillRef idx="1">
+              <a:schemeClr val="accent1"/>
+            </a:fillRef>
+            <a:effectRef idx="0">
+              <a:schemeClr val="accent1"/>
+            </a:effectRef>
+            <a:fontRef idx="minor">
+              <a:schemeClr val="lt1"/>
+            </a:fontRef>
+          </p:style>
+          <p:txBody>
+            <a:bodyPr rtlCol="0" anchor="ctr"/>
+            <a:lstStyle/>
+            <a:p>
+              <a:pPr algn="ctr"/>
+              <a:endParaRPr lang="en-GB"/>
+            </a:p>
+          </p:txBody>
+        </p:sp>
+        <p:sp>
+          <p:nvSpPr>
+            <p:cNvPr id="36" name="Rectangle 35"/>
+            <p:cNvSpPr/>
+            <p:nvPr/>
+          </p:nvSpPr>
+          <p:spPr>
+            <a:xfrm>
+              <a:off x="1979712" y="4509120"/>
+              <a:ext cx="216024" cy="288032"/>
+            </a:xfrm>
+            <a:prstGeom prst="rect">
+              <a:avLst/>
+            </a:prstGeom>
+            <a:solidFill>
+              <a:schemeClr val="accent2"/>
+            </a:solidFill>
+            <a:ln>
+              <a:solidFill>
+                <a:schemeClr val="tx1">
+                  <a:lumMod val="65000"/>
+                  <a:lumOff val="35000"/>
+                </a:schemeClr>
+              </a:solidFill>
+            </a:ln>
+          </p:spPr>
+          <p:style>
+            <a:lnRef idx="2">
+              <a:schemeClr val="accent1">
+                <a:shade val="50000"/>
+              </a:schemeClr>
+            </a:lnRef>
+            <a:fillRef idx="1">
+              <a:schemeClr val="accent1"/>
+            </a:fillRef>
+            <a:effectRef idx="0">
+              <a:schemeClr val="accent1"/>
+            </a:effectRef>
+            <a:fontRef idx="minor">
+              <a:schemeClr val="lt1"/>
+            </a:fontRef>
+          </p:style>
+          <p:txBody>
+            <a:bodyPr rtlCol="0" anchor="ctr"/>
+            <a:lstStyle/>
+            <a:p>
+              <a:pPr algn="ctr"/>
+              <a:endParaRPr lang="en-GB"/>
+            </a:p>
+          </p:txBody>
+        </p:sp>
+        <p:sp>
+          <p:nvSpPr>
+            <p:cNvPr id="37" name="Rectangle 36"/>
+            <p:cNvSpPr/>
+            <p:nvPr/>
+          </p:nvSpPr>
+          <p:spPr>
+            <a:xfrm>
+              <a:off x="2195736" y="4509120"/>
+              <a:ext cx="216024" cy="288032"/>
+            </a:xfrm>
+            <a:prstGeom prst="rect">
+              <a:avLst/>
+            </a:prstGeom>
+            <a:solidFill>
+              <a:schemeClr val="accent2"/>
+            </a:solidFill>
+            <a:ln>
+              <a:solidFill>
+                <a:schemeClr val="tx1">
+                  <a:lumMod val="65000"/>
+                  <a:lumOff val="35000"/>
+                </a:schemeClr>
+              </a:solidFill>
+            </a:ln>
+          </p:spPr>
+          <p:style>
+            <a:lnRef idx="2">
+              <a:schemeClr val="accent1">
+                <a:shade val="50000"/>
+              </a:schemeClr>
+            </a:lnRef>
+            <a:fillRef idx="1">
+              <a:schemeClr val="accent1"/>
+            </a:fillRef>
+            <a:effectRef idx="0">
+              <a:schemeClr val="accent1"/>
+            </a:effectRef>
+            <a:fontRef idx="minor">
+              <a:schemeClr val="lt1"/>
+            </a:fontRef>
+          </p:style>
+          <p:txBody>
+            <a:bodyPr rtlCol="0" anchor="ctr"/>
+            <a:lstStyle/>
+            <a:p>
+              <a:pPr algn="ctr"/>
+              <a:endParaRPr lang="en-GB"/>
+            </a:p>
+          </p:txBody>
+        </p:sp>
+        <p:sp>
+          <p:nvSpPr>
+            <p:cNvPr id="38" name="Rectangle 37"/>
+            <p:cNvSpPr/>
+            <p:nvPr/>
+          </p:nvSpPr>
+          <p:spPr>
+            <a:xfrm>
+              <a:off x="1979712" y="5085184"/>
+              <a:ext cx="216024" cy="288032"/>
+            </a:xfrm>
+            <a:prstGeom prst="rect">
+              <a:avLst/>
+            </a:prstGeom>
+            <a:solidFill>
+              <a:schemeClr val="accent2"/>
+            </a:solidFill>
+            <a:ln>
+              <a:solidFill>
+                <a:schemeClr val="tx1">
+                  <a:lumMod val="65000"/>
+                  <a:lumOff val="35000"/>
+                </a:schemeClr>
+              </a:solidFill>
+            </a:ln>
+          </p:spPr>
+          <p:style>
+            <a:lnRef idx="2">
+              <a:schemeClr val="accent1">
+                <a:shade val="50000"/>
+              </a:schemeClr>
+            </a:lnRef>
+            <a:fillRef idx="1">
+              <a:schemeClr val="accent1"/>
+            </a:fillRef>
+            <a:effectRef idx="0">
+              <a:schemeClr val="accent1"/>
+            </a:effectRef>
+            <a:fontRef idx="minor">
+              <a:schemeClr val="lt1"/>
+            </a:fontRef>
+          </p:style>
+          <p:txBody>
+            <a:bodyPr rtlCol="0" anchor="ctr"/>
+            <a:lstStyle/>
+            <a:p>
+              <a:pPr algn="ctr"/>
+              <a:endParaRPr lang="en-GB"/>
+            </a:p>
+          </p:txBody>
+        </p:sp>
+        <p:sp>
+          <p:nvSpPr>
+            <p:cNvPr id="39" name="Rectangle 38"/>
+            <p:cNvSpPr/>
+            <p:nvPr/>
+          </p:nvSpPr>
+          <p:spPr>
+            <a:xfrm>
+              <a:off x="2195736" y="5085184"/>
+              <a:ext cx="216024" cy="288032"/>
+            </a:xfrm>
+            <a:prstGeom prst="rect">
+              <a:avLst/>
+            </a:prstGeom>
+            <a:solidFill>
+              <a:schemeClr val="accent2"/>
+            </a:solidFill>
+            <a:ln>
+              <a:solidFill>
+                <a:schemeClr val="tx1">
+                  <a:lumMod val="65000"/>
+                  <a:lumOff val="35000"/>
+                </a:schemeClr>
+              </a:solidFill>
+            </a:ln>
+          </p:spPr>
+          <p:style>
+            <a:lnRef idx="2">
+              <a:schemeClr val="accent1">
+                <a:shade val="50000"/>
+              </a:schemeClr>
+            </a:lnRef>
+            <a:fillRef idx="1">
+              <a:schemeClr val="accent1"/>
+            </a:fillRef>
+            <a:effectRef idx="0">
+              <a:schemeClr val="accent1"/>
+            </a:effectRef>
+            <a:fontRef idx="minor">
+              <a:schemeClr val="lt1"/>
+            </a:fontRef>
+          </p:style>
+          <p:txBody>
+            <a:bodyPr rtlCol="0" anchor="ctr"/>
+            <a:lstStyle/>
+            <a:p>
+              <a:pPr algn="ctr"/>
+              <a:endParaRPr lang="en-GB"/>
+            </a:p>
+          </p:txBody>
+        </p:sp>
+      </p:grpSp>
+      <p:grpSp>
+        <p:nvGrpSpPr>
+          <p:cNvPr id="57" name="Group 56"/>
+          <p:cNvGrpSpPr/>
+          <p:nvPr/>
+        </p:nvGrpSpPr>
+        <p:grpSpPr>
+          <a:xfrm>
+            <a:off x="6660232" y="1052736"/>
+            <a:ext cx="432048" cy="4320480"/>
+            <a:chOff x="1979712" y="1052736"/>
+            <a:chExt cx="432048" cy="4320480"/>
+          </a:xfrm>
+        </p:grpSpPr>
+        <p:sp>
+          <p:nvSpPr>
+            <p:cNvPr id="58" name="Rectangle 57"/>
+            <p:cNvSpPr/>
+            <p:nvPr/>
+          </p:nvSpPr>
+          <p:spPr>
+            <a:xfrm>
+              <a:off x="1979712" y="1052736"/>
+              <a:ext cx="432048" cy="4320480"/>
+            </a:xfrm>
+            <a:prstGeom prst="rect">
+              <a:avLst/>
+            </a:prstGeom>
+            <a:solidFill>
+              <a:schemeClr val="accent2"/>
+            </a:solidFill>
+          </p:spPr>
+          <p:style>
+            <a:lnRef idx="2">
+              <a:schemeClr val="accent1">
+                <a:shade val="50000"/>
+              </a:schemeClr>
+            </a:lnRef>
+            <a:fillRef idx="1">
+              <a:schemeClr val="accent1"/>
+            </a:fillRef>
+            <a:effectRef idx="0">
+              <a:schemeClr val="accent1"/>
+            </a:effectRef>
+            <a:fontRef idx="minor">
+              <a:schemeClr val="lt1"/>
+            </a:fontRef>
+          </p:style>
+          <p:txBody>
+            <a:bodyPr rtlCol="0" anchor="ctr"/>
+            <a:lstStyle/>
+            <a:p>
+              <a:pPr algn="ctr"/>
+              <a:endParaRPr lang="en-GB"/>
+            </a:p>
+          </p:txBody>
+        </p:sp>
+        <p:sp>
+          <p:nvSpPr>
+            <p:cNvPr id="59" name="Rectangle 58"/>
+            <p:cNvSpPr/>
+            <p:nvPr/>
+          </p:nvSpPr>
+          <p:spPr>
+            <a:xfrm>
+              <a:off x="1979712" y="1052736"/>
+              <a:ext cx="216024" cy="288032"/>
+            </a:xfrm>
+            <a:prstGeom prst="rect">
+              <a:avLst/>
+            </a:prstGeom>
+            <a:solidFill>
+              <a:schemeClr val="accent2"/>
+            </a:solidFill>
+            <a:ln>
+              <a:solidFill>
+                <a:schemeClr val="tx1">
+                  <a:lumMod val="65000"/>
+                  <a:lumOff val="35000"/>
+                </a:schemeClr>
+              </a:solidFill>
+            </a:ln>
+          </p:spPr>
+          <p:style>
+            <a:lnRef idx="2">
+              <a:schemeClr val="accent1">
+                <a:shade val="50000"/>
+              </a:schemeClr>
+            </a:lnRef>
+            <a:fillRef idx="1">
+              <a:schemeClr val="accent1"/>
+            </a:fillRef>
+            <a:effectRef idx="0">
+              <a:schemeClr val="accent1"/>
+            </a:effectRef>
+            <a:fontRef idx="minor">
+              <a:schemeClr val="lt1"/>
+            </a:fontRef>
+          </p:style>
+          <p:txBody>
+            <a:bodyPr rtlCol="0" anchor="ctr"/>
+            <a:lstStyle/>
+            <a:p>
+              <a:pPr algn="ctr"/>
+              <a:endParaRPr lang="en-GB"/>
+            </a:p>
+          </p:txBody>
+        </p:sp>
+        <p:sp>
+          <p:nvSpPr>
+            <p:cNvPr id="60" name="Rectangle 59"/>
+            <p:cNvSpPr/>
+            <p:nvPr/>
+          </p:nvSpPr>
+          <p:spPr>
+            <a:xfrm>
+              <a:off x="2195736" y="1052736"/>
+              <a:ext cx="216024" cy="288032"/>
+            </a:xfrm>
+            <a:prstGeom prst="rect">
+              <a:avLst/>
+            </a:prstGeom>
+            <a:solidFill>
+              <a:schemeClr val="accent2"/>
+            </a:solidFill>
+            <a:ln>
+              <a:solidFill>
+                <a:schemeClr val="tx1">
+                  <a:lumMod val="65000"/>
+                  <a:lumOff val="35000"/>
+                </a:schemeClr>
+              </a:solidFill>
+            </a:ln>
+          </p:spPr>
+          <p:style>
+            <a:lnRef idx="2">
+              <a:schemeClr val="accent1">
+                <a:shade val="50000"/>
+              </a:schemeClr>
+            </a:lnRef>
+            <a:fillRef idx="1">
+              <a:schemeClr val="accent1"/>
+            </a:fillRef>
+            <a:effectRef idx="0">
+              <a:schemeClr val="accent1"/>
+            </a:effectRef>
+            <a:fontRef idx="minor">
+              <a:schemeClr val="lt1"/>
+            </a:fontRef>
+          </p:style>
+          <p:txBody>
+            <a:bodyPr rtlCol="0" anchor="ctr"/>
+            <a:lstStyle/>
+            <a:p>
+              <a:pPr algn="ctr"/>
+              <a:endParaRPr lang="en-GB"/>
+            </a:p>
+          </p:txBody>
+        </p:sp>
+        <p:sp>
+          <p:nvSpPr>
+            <p:cNvPr id="61" name="Rectangle 60"/>
+            <p:cNvSpPr/>
+            <p:nvPr/>
+          </p:nvSpPr>
+          <p:spPr>
+            <a:xfrm>
+              <a:off x="1979712" y="1628800"/>
+              <a:ext cx="216024" cy="288032"/>
+            </a:xfrm>
+            <a:prstGeom prst="rect">
+              <a:avLst/>
+            </a:prstGeom>
+            <a:solidFill>
+              <a:schemeClr val="accent2"/>
+            </a:solidFill>
+            <a:ln>
+              <a:solidFill>
+                <a:schemeClr val="tx1">
+                  <a:lumMod val="65000"/>
+                  <a:lumOff val="35000"/>
+                </a:schemeClr>
+              </a:solidFill>
+            </a:ln>
+          </p:spPr>
+          <p:style>
+            <a:lnRef idx="2">
+              <a:schemeClr val="accent1">
+                <a:shade val="50000"/>
+              </a:schemeClr>
+            </a:lnRef>
+            <a:fillRef idx="1">
+              <a:schemeClr val="accent1"/>
+            </a:fillRef>
+            <a:effectRef idx="0">
+              <a:schemeClr val="accent1"/>
+            </a:effectRef>
+            <a:fontRef idx="minor">
+              <a:schemeClr val="lt1"/>
+            </a:fontRef>
+          </p:style>
+          <p:txBody>
+            <a:bodyPr rtlCol="0" anchor="ctr"/>
+            <a:lstStyle/>
+            <a:p>
+              <a:pPr algn="ctr"/>
+              <a:endParaRPr lang="en-GB"/>
+            </a:p>
+          </p:txBody>
+        </p:sp>
+        <p:sp>
+          <p:nvSpPr>
+            <p:cNvPr id="62" name="Rectangle 61"/>
+            <p:cNvSpPr/>
+            <p:nvPr/>
+          </p:nvSpPr>
+          <p:spPr>
+            <a:xfrm>
+              <a:off x="2195736" y="1628800"/>
+              <a:ext cx="216024" cy="288032"/>
+            </a:xfrm>
+            <a:prstGeom prst="rect">
+              <a:avLst/>
+            </a:prstGeom>
+            <a:solidFill>
+              <a:schemeClr val="accent2"/>
+            </a:solidFill>
+            <a:ln>
+              <a:solidFill>
+                <a:schemeClr val="tx1">
+                  <a:lumMod val="65000"/>
+                  <a:lumOff val="35000"/>
+                </a:schemeClr>
+              </a:solidFill>
+            </a:ln>
+          </p:spPr>
+          <p:style>
+            <a:lnRef idx="2">
+              <a:schemeClr val="accent1">
+                <a:shade val="50000"/>
+              </a:schemeClr>
+            </a:lnRef>
+            <a:fillRef idx="1">
+              <a:schemeClr val="accent1"/>
+            </a:fillRef>
+            <a:effectRef idx="0">
+              <a:schemeClr val="accent1"/>
+            </a:effectRef>
+            <a:fontRef idx="minor">
+              <a:schemeClr val="lt1"/>
+            </a:fontRef>
+          </p:style>
+          <p:txBody>
+            <a:bodyPr rtlCol="0" anchor="ctr"/>
+            <a:lstStyle/>
+            <a:p>
+              <a:pPr algn="ctr"/>
+              <a:endParaRPr lang="en-GB"/>
+            </a:p>
+          </p:txBody>
+        </p:sp>
+        <p:sp>
+          <p:nvSpPr>
+            <p:cNvPr id="63" name="Rectangle 62"/>
+            <p:cNvSpPr/>
+            <p:nvPr/>
+          </p:nvSpPr>
+          <p:spPr>
+            <a:xfrm>
+              <a:off x="1979712" y="2204864"/>
+              <a:ext cx="216024" cy="288032"/>
+            </a:xfrm>
+            <a:prstGeom prst="rect">
+              <a:avLst/>
+            </a:prstGeom>
+            <a:solidFill>
+              <a:schemeClr val="accent2"/>
+            </a:solidFill>
+            <a:ln>
+              <a:solidFill>
+                <a:schemeClr val="tx1">
+                  <a:lumMod val="65000"/>
+                  <a:lumOff val="35000"/>
+                </a:schemeClr>
+              </a:solidFill>
+            </a:ln>
+          </p:spPr>
+          <p:style>
+            <a:lnRef idx="2">
+              <a:schemeClr val="accent1">
+                <a:shade val="50000"/>
+              </a:schemeClr>
+            </a:lnRef>
+            <a:fillRef idx="1">
+              <a:schemeClr val="accent1"/>
+            </a:fillRef>
+            <a:effectRef idx="0">
+              <a:schemeClr val="accent1"/>
+            </a:effectRef>
+            <a:fontRef idx="minor">
+              <a:schemeClr val="lt1"/>
+            </a:fontRef>
+          </p:style>
+          <p:txBody>
+            <a:bodyPr rtlCol="0" anchor="ctr"/>
+            <a:lstStyle/>
+            <a:p>
+              <a:pPr algn="ctr"/>
+              <a:endParaRPr lang="en-GB"/>
+            </a:p>
+          </p:txBody>
+        </p:sp>
+        <p:sp>
+          <p:nvSpPr>
+            <p:cNvPr id="64" name="Rectangle 63"/>
+            <p:cNvSpPr/>
+            <p:nvPr/>
+          </p:nvSpPr>
+          <p:spPr>
+            <a:xfrm>
+              <a:off x="2195736" y="2204864"/>
+              <a:ext cx="216024" cy="288032"/>
+            </a:xfrm>
+            <a:prstGeom prst="rect">
+              <a:avLst/>
+            </a:prstGeom>
+            <a:solidFill>
+              <a:schemeClr val="accent2"/>
+            </a:solidFill>
+            <a:ln>
+              <a:solidFill>
+                <a:schemeClr val="tx1">
+                  <a:lumMod val="65000"/>
+                  <a:lumOff val="35000"/>
+                </a:schemeClr>
+              </a:solidFill>
+            </a:ln>
+          </p:spPr>
+          <p:style>
+            <a:lnRef idx="2">
+              <a:schemeClr val="accent1">
+                <a:shade val="50000"/>
+              </a:schemeClr>
+            </a:lnRef>
+            <a:fillRef idx="1">
+              <a:schemeClr val="accent1"/>
+            </a:fillRef>
+            <a:effectRef idx="0">
+              <a:schemeClr val="accent1"/>
+            </a:effectRef>
+            <a:fontRef idx="minor">
+              <a:schemeClr val="lt1"/>
+            </a:fontRef>
+          </p:style>
+          <p:txBody>
+            <a:bodyPr rtlCol="0" anchor="ctr"/>
+            <a:lstStyle/>
+            <a:p>
+              <a:pPr algn="ctr"/>
+              <a:endParaRPr lang="en-GB"/>
+            </a:p>
+          </p:txBody>
+        </p:sp>
+        <p:sp>
+          <p:nvSpPr>
+            <p:cNvPr id="65" name="Rectangle 64"/>
+            <p:cNvSpPr/>
+            <p:nvPr/>
+          </p:nvSpPr>
+          <p:spPr>
+            <a:xfrm>
+              <a:off x="1979712" y="2780928"/>
+              <a:ext cx="216024" cy="288032"/>
+            </a:xfrm>
+            <a:prstGeom prst="rect">
+              <a:avLst/>
+            </a:prstGeom>
+            <a:solidFill>
+              <a:schemeClr val="accent2"/>
+            </a:solidFill>
+            <a:ln>
+              <a:solidFill>
+                <a:schemeClr val="tx1">
+                  <a:lumMod val="65000"/>
+                  <a:lumOff val="35000"/>
+                </a:schemeClr>
+              </a:solidFill>
+            </a:ln>
+          </p:spPr>
+          <p:style>
+            <a:lnRef idx="2">
+              <a:schemeClr val="accent1">
+                <a:shade val="50000"/>
+              </a:schemeClr>
+            </a:lnRef>
+            <a:fillRef idx="1">
+              <a:schemeClr val="accent1"/>
+            </a:fillRef>
+            <a:effectRef idx="0">
+              <a:schemeClr val="accent1"/>
+            </a:effectRef>
+            <a:fontRef idx="minor">
+              <a:schemeClr val="lt1"/>
+            </a:fontRef>
+          </p:style>
+          <p:txBody>
+            <a:bodyPr rtlCol="0" anchor="ctr"/>
+            <a:lstStyle/>
+            <a:p>
+              <a:pPr algn="ctr"/>
+              <a:endParaRPr lang="en-GB"/>
+            </a:p>
+          </p:txBody>
+        </p:sp>
+        <p:sp>
+          <p:nvSpPr>
+            <p:cNvPr id="66" name="Rectangle 65"/>
+            <p:cNvSpPr/>
+            <p:nvPr/>
+          </p:nvSpPr>
+          <p:spPr>
+            <a:xfrm>
+              <a:off x="2195736" y="2780928"/>
+              <a:ext cx="216024" cy="288032"/>
+            </a:xfrm>
+            <a:prstGeom prst="rect">
+              <a:avLst/>
+            </a:prstGeom>
+            <a:solidFill>
+              <a:schemeClr val="accent2"/>
+            </a:solidFill>
+            <a:ln>
+              <a:solidFill>
+                <a:schemeClr val="tx1">
+                  <a:lumMod val="65000"/>
+                  <a:lumOff val="35000"/>
+                </a:schemeClr>
+              </a:solidFill>
+            </a:ln>
+          </p:spPr>
+          <p:style>
+            <a:lnRef idx="2">
+              <a:schemeClr val="accent1">
+                <a:shade val="50000"/>
+              </a:schemeClr>
+            </a:lnRef>
+            <a:fillRef idx="1">
+              <a:schemeClr val="accent1"/>
+            </a:fillRef>
+            <a:effectRef idx="0">
+              <a:schemeClr val="accent1"/>
+            </a:effectRef>
+            <a:fontRef idx="minor">
+              <a:schemeClr val="lt1"/>
+            </a:fontRef>
+          </p:style>
+          <p:txBody>
+            <a:bodyPr rtlCol="0" anchor="ctr"/>
+            <a:lstStyle/>
+            <a:p>
+              <a:pPr algn="ctr"/>
+              <a:endParaRPr lang="en-GB"/>
+            </a:p>
+          </p:txBody>
+        </p:sp>
+        <p:sp>
+          <p:nvSpPr>
+            <p:cNvPr id="67" name="Rectangle 66"/>
+            <p:cNvSpPr/>
+            <p:nvPr/>
+          </p:nvSpPr>
+          <p:spPr>
+            <a:xfrm>
+              <a:off x="1979712" y="3356992"/>
+              <a:ext cx="216024" cy="288032"/>
+            </a:xfrm>
+            <a:prstGeom prst="rect">
+              <a:avLst/>
+            </a:prstGeom>
+            <a:solidFill>
+              <a:schemeClr val="accent2"/>
+            </a:solidFill>
+            <a:ln>
+              <a:solidFill>
+                <a:schemeClr val="tx1">
+                  <a:lumMod val="65000"/>
+                  <a:lumOff val="35000"/>
+                </a:schemeClr>
+              </a:solidFill>
+            </a:ln>
+          </p:spPr>
+          <p:style>
+            <a:lnRef idx="2">
+              <a:schemeClr val="accent1">
+                <a:shade val="50000"/>
+              </a:schemeClr>
+            </a:lnRef>
+            <a:fillRef idx="1">
+              <a:schemeClr val="accent1"/>
+            </a:fillRef>
+            <a:effectRef idx="0">
+              <a:schemeClr val="accent1"/>
+            </a:effectRef>
+            <a:fontRef idx="minor">
+              <a:schemeClr val="lt1"/>
+            </a:fontRef>
+          </p:style>
+          <p:txBody>
+            <a:bodyPr rtlCol="0" anchor="ctr"/>
+            <a:lstStyle/>
+            <a:p>
+              <a:pPr algn="ctr"/>
+              <a:endParaRPr lang="en-GB"/>
+            </a:p>
+          </p:txBody>
+        </p:sp>
+        <p:sp>
+          <p:nvSpPr>
+            <p:cNvPr id="68" name="Rectangle 67"/>
+            <p:cNvSpPr/>
+            <p:nvPr/>
+          </p:nvSpPr>
+          <p:spPr>
+            <a:xfrm>
+              <a:off x="2195736" y="3356992"/>
+              <a:ext cx="216024" cy="288032"/>
+            </a:xfrm>
+            <a:prstGeom prst="rect">
+              <a:avLst/>
+            </a:prstGeom>
+            <a:solidFill>
+              <a:schemeClr val="accent2"/>
+            </a:solidFill>
+            <a:ln>
+              <a:solidFill>
+                <a:schemeClr val="tx1">
+                  <a:lumMod val="65000"/>
+                  <a:lumOff val="35000"/>
+                </a:schemeClr>
+              </a:solidFill>
+            </a:ln>
+          </p:spPr>
+          <p:style>
+            <a:lnRef idx="2">
+              <a:schemeClr val="accent1">
+                <a:shade val="50000"/>
+              </a:schemeClr>
+            </a:lnRef>
+            <a:fillRef idx="1">
+              <a:schemeClr val="accent1"/>
+            </a:fillRef>
+            <a:effectRef idx="0">
+              <a:schemeClr val="accent1"/>
+            </a:effectRef>
+            <a:fontRef idx="minor">
+              <a:schemeClr val="lt1"/>
+            </a:fontRef>
+          </p:style>
+          <p:txBody>
+            <a:bodyPr rtlCol="0" anchor="ctr"/>
+            <a:lstStyle/>
+            <a:p>
+              <a:pPr algn="ctr"/>
+              <a:endParaRPr lang="en-GB"/>
+            </a:p>
+          </p:txBody>
+        </p:sp>
+        <p:sp>
+          <p:nvSpPr>
+            <p:cNvPr id="69" name="Rectangle 68"/>
+            <p:cNvSpPr/>
+            <p:nvPr/>
+          </p:nvSpPr>
+          <p:spPr>
+            <a:xfrm>
+              <a:off x="1979712" y="3933056"/>
+              <a:ext cx="216024" cy="288032"/>
+            </a:xfrm>
+            <a:prstGeom prst="rect">
+              <a:avLst/>
+            </a:prstGeom>
+            <a:solidFill>
+              <a:schemeClr val="accent2"/>
+            </a:solidFill>
+            <a:ln>
+              <a:solidFill>
+                <a:schemeClr val="tx1">
+                  <a:lumMod val="65000"/>
+                  <a:lumOff val="35000"/>
+                </a:schemeClr>
+              </a:solidFill>
+            </a:ln>
+          </p:spPr>
+          <p:style>
+            <a:lnRef idx="2">
+              <a:schemeClr val="accent1">
+                <a:shade val="50000"/>
+              </a:schemeClr>
+            </a:lnRef>
+            <a:fillRef idx="1">
+              <a:schemeClr val="accent1"/>
+            </a:fillRef>
+            <a:effectRef idx="0">
+              <a:schemeClr val="accent1"/>
+            </a:effectRef>
+            <a:fontRef idx="minor">
+              <a:schemeClr val="lt1"/>
+            </a:fontRef>
+          </p:style>
+          <p:txBody>
+            <a:bodyPr rtlCol="0" anchor="ctr"/>
+            <a:lstStyle/>
+            <a:p>
+              <a:pPr algn="ctr"/>
+              <a:endParaRPr lang="en-GB"/>
+            </a:p>
+          </p:txBody>
+        </p:sp>
+        <p:sp>
+          <p:nvSpPr>
+            <p:cNvPr id="70" name="Rectangle 69"/>
+            <p:cNvSpPr/>
+            <p:nvPr/>
+          </p:nvSpPr>
+          <p:spPr>
+            <a:xfrm>
+              <a:off x="2195736" y="3933056"/>
+              <a:ext cx="216024" cy="288032"/>
+            </a:xfrm>
+            <a:prstGeom prst="rect">
+              <a:avLst/>
+            </a:prstGeom>
+            <a:solidFill>
+              <a:schemeClr val="accent2"/>
+            </a:solidFill>
+            <a:ln>
+              <a:solidFill>
+                <a:schemeClr val="tx1">
+                  <a:lumMod val="65000"/>
+                  <a:lumOff val="35000"/>
+                </a:schemeClr>
+              </a:solidFill>
+            </a:ln>
+          </p:spPr>
+          <p:style>
+            <a:lnRef idx="2">
+              <a:schemeClr val="accent1">
+                <a:shade val="50000"/>
+              </a:schemeClr>
+            </a:lnRef>
+            <a:fillRef idx="1">
+              <a:schemeClr val="accent1"/>
+            </a:fillRef>
+            <a:effectRef idx="0">
+              <a:schemeClr val="accent1"/>
+            </a:effectRef>
+            <a:fontRef idx="minor">
+              <a:schemeClr val="lt1"/>
+            </a:fontRef>
+          </p:style>
+          <p:txBody>
+            <a:bodyPr rtlCol="0" anchor="ctr"/>
+            <a:lstStyle/>
+            <a:p>
+              <a:pPr algn="ctr"/>
+              <a:endParaRPr lang="en-GB"/>
+            </a:p>
+          </p:txBody>
+        </p:sp>
+        <p:sp>
+          <p:nvSpPr>
+            <p:cNvPr id="71" name="Rectangle 70"/>
+            <p:cNvSpPr/>
+            <p:nvPr/>
+          </p:nvSpPr>
+          <p:spPr>
+            <a:xfrm>
+              <a:off x="1979712" y="4509120"/>
+              <a:ext cx="216024" cy="288032"/>
+            </a:xfrm>
+            <a:prstGeom prst="rect">
+              <a:avLst/>
+            </a:prstGeom>
+            <a:solidFill>
+              <a:schemeClr val="accent2"/>
+            </a:solidFill>
+            <a:ln>
+              <a:solidFill>
+                <a:schemeClr val="tx1">
+                  <a:lumMod val="65000"/>
+                  <a:lumOff val="35000"/>
+                </a:schemeClr>
+              </a:solidFill>
+            </a:ln>
+          </p:spPr>
+          <p:style>
+            <a:lnRef idx="2">
+              <a:schemeClr val="accent1">
+                <a:shade val="50000"/>
+              </a:schemeClr>
+            </a:lnRef>
+            <a:fillRef idx="1">
+              <a:schemeClr val="accent1"/>
+            </a:fillRef>
+            <a:effectRef idx="0">
+              <a:schemeClr val="accent1"/>
+            </a:effectRef>
+            <a:fontRef idx="minor">
+              <a:schemeClr val="lt1"/>
+            </a:fontRef>
+          </p:style>
+          <p:txBody>
+            <a:bodyPr rtlCol="0" anchor="ctr"/>
+            <a:lstStyle/>
+            <a:p>
+              <a:pPr algn="ctr"/>
+              <a:endParaRPr lang="en-GB"/>
+            </a:p>
+          </p:txBody>
+        </p:sp>
+        <p:sp>
+          <p:nvSpPr>
+            <p:cNvPr id="72" name="Rectangle 71"/>
+            <p:cNvSpPr/>
+            <p:nvPr/>
+          </p:nvSpPr>
+          <p:spPr>
+            <a:xfrm>
+              <a:off x="2195736" y="4509120"/>
+              <a:ext cx="216024" cy="288032"/>
+            </a:xfrm>
+            <a:prstGeom prst="rect">
+              <a:avLst/>
+            </a:prstGeom>
+            <a:solidFill>
+              <a:schemeClr val="accent2"/>
+            </a:solidFill>
+            <a:ln>
+              <a:solidFill>
+                <a:schemeClr val="tx1">
+                  <a:lumMod val="65000"/>
+                  <a:lumOff val="35000"/>
+                </a:schemeClr>
+              </a:solidFill>
+            </a:ln>
+          </p:spPr>
+          <p:style>
+            <a:lnRef idx="2">
+              <a:schemeClr val="accent1">
+                <a:shade val="50000"/>
+              </a:schemeClr>
+            </a:lnRef>
+            <a:fillRef idx="1">
+              <a:schemeClr val="accent1"/>
+            </a:fillRef>
+            <a:effectRef idx="0">
+              <a:schemeClr val="accent1"/>
+            </a:effectRef>
+            <a:fontRef idx="minor">
+              <a:schemeClr val="lt1"/>
+            </a:fontRef>
+          </p:style>
+          <p:txBody>
+            <a:bodyPr rtlCol="0" anchor="ctr"/>
+            <a:lstStyle/>
+            <a:p>
+              <a:pPr algn="ctr"/>
+              <a:endParaRPr lang="en-GB"/>
+            </a:p>
+          </p:txBody>
+        </p:sp>
+        <p:sp>
+          <p:nvSpPr>
+            <p:cNvPr id="73" name="Rectangle 72"/>
+            <p:cNvSpPr/>
+            <p:nvPr/>
+          </p:nvSpPr>
+          <p:spPr>
+            <a:xfrm>
+              <a:off x="1979712" y="5085184"/>
+              <a:ext cx="216024" cy="288032"/>
+            </a:xfrm>
+            <a:prstGeom prst="rect">
+              <a:avLst/>
+            </a:prstGeom>
+            <a:solidFill>
+              <a:schemeClr val="accent2"/>
+            </a:solidFill>
+            <a:ln>
+              <a:solidFill>
+                <a:schemeClr val="tx1">
+                  <a:lumMod val="65000"/>
+                  <a:lumOff val="35000"/>
+                </a:schemeClr>
+              </a:solidFill>
+            </a:ln>
+          </p:spPr>
+          <p:style>
+            <a:lnRef idx="2">
+              <a:schemeClr val="accent1">
+                <a:shade val="50000"/>
+              </a:schemeClr>
+            </a:lnRef>
+            <a:fillRef idx="1">
+              <a:schemeClr val="accent1"/>
+            </a:fillRef>
+            <a:effectRef idx="0">
+              <a:schemeClr val="accent1"/>
+            </a:effectRef>
+            <a:fontRef idx="minor">
+              <a:schemeClr val="lt1"/>
+            </a:fontRef>
+          </p:style>
+          <p:txBody>
+            <a:bodyPr rtlCol="0" anchor="ctr"/>
+            <a:lstStyle/>
+            <a:p>
+              <a:pPr algn="ctr"/>
+              <a:endParaRPr lang="en-GB"/>
+            </a:p>
+          </p:txBody>
+        </p:sp>
+        <p:sp>
+          <p:nvSpPr>
+            <p:cNvPr id="74" name="Rectangle 73"/>
+            <p:cNvSpPr/>
+            <p:nvPr/>
+          </p:nvSpPr>
+          <p:spPr>
+            <a:xfrm>
+              <a:off x="2195736" y="5085184"/>
+              <a:ext cx="216024" cy="288032"/>
+            </a:xfrm>
+            <a:prstGeom prst="rect">
+              <a:avLst/>
+            </a:prstGeom>
+            <a:solidFill>
+              <a:schemeClr val="accent2"/>
+            </a:solidFill>
+            <a:ln>
+              <a:solidFill>
+                <a:schemeClr val="tx1">
+                  <a:lumMod val="65000"/>
+                  <a:lumOff val="35000"/>
+                </a:schemeClr>
+              </a:solidFill>
+            </a:ln>
+          </p:spPr>
+          <p:style>
+            <a:lnRef idx="2">
+              <a:schemeClr val="accent1">
+                <a:shade val="50000"/>
+              </a:schemeClr>
+            </a:lnRef>
+            <a:fillRef idx="1">
+              <a:schemeClr val="accent1"/>
+            </a:fillRef>
+            <a:effectRef idx="0">
+              <a:schemeClr val="accent1"/>
+            </a:effectRef>
+            <a:fontRef idx="minor">
+              <a:schemeClr val="lt1"/>
+            </a:fontRef>
+          </p:style>
+          <p:txBody>
+            <a:bodyPr rtlCol="0" anchor="ctr"/>
+            <a:lstStyle/>
+            <a:p>
+              <a:pPr algn="ctr"/>
+              <a:endParaRPr lang="en-GB"/>
+            </a:p>
+          </p:txBody>
+        </p:sp>
+      </p:grpSp>
     </p:spTree>
     <p:extLst>
       <p:ext uri="{BB962C8B-B14F-4D97-AF65-F5344CB8AC3E}">
-        <p14:creationId xmlns:p14="http://schemas.microsoft.com/office/powerpoint/2010/main" val="105837804"/>
+        <p14:creationId xmlns:p14="http://schemas.microsoft.com/office/powerpoint/2010/main" val="2309301622"/>
       </p:ext>
     </p:extLst>
   </p:cSld>
@@ -8758,7 +11345,7 @@
         </p:nvSpPr>
         <p:spPr>
           <a:xfrm>
-            <a:off x="1979712" y="1340768"/>
+            <a:off x="1979712" y="1124744"/>
             <a:ext cx="5184576" cy="4104456"/>
           </a:xfrm>
           <a:prstGeom prst="hexagon">
@@ -8789,649 +11376,14 @@
           <a:lstStyle/>
           <a:p>
             <a:pPr algn="ctr"/>
-            <a:endParaRPr lang="en-GB" sz="3200" dirty="0"/>
-          </a:p>
-        </p:txBody>
-      </p:sp>
-      <p:sp>
-        <p:nvSpPr>
-          <p:cNvPr id="3" name="Hexagon 2"/>
-          <p:cNvSpPr/>
-          <p:nvPr/>
-        </p:nvSpPr>
-        <p:spPr>
-          <a:xfrm>
-            <a:off x="2915816" y="1421160"/>
-            <a:ext cx="1872208" cy="927720"/>
-          </a:xfrm>
-          <a:prstGeom prst="hexagon">
-            <a:avLst/>
-          </a:prstGeom>
-          <a:solidFill>
-            <a:schemeClr val="bg1"/>
-          </a:solidFill>
-        </p:spPr>
-        <p:style>
-          <a:lnRef idx="2">
-            <a:schemeClr val="accent1">
-              <a:shade val="50000"/>
-            </a:schemeClr>
-          </a:lnRef>
-          <a:fillRef idx="1">
-            <a:schemeClr val="accent1"/>
-          </a:fillRef>
-          <a:effectRef idx="0">
-            <a:schemeClr val="accent1"/>
-          </a:effectRef>
-          <a:fontRef idx="minor">
-            <a:schemeClr val="lt1"/>
-          </a:fontRef>
-        </p:style>
-        <p:txBody>
-          <a:bodyPr rtlCol="0" anchor="ctr"/>
-          <a:lstStyle/>
-          <a:p>
-            <a:pPr algn="ctr"/>
-            <a:endParaRPr lang="en-GB" sz="3200" dirty="0"/>
-          </a:p>
-        </p:txBody>
-      </p:sp>
-      <p:sp>
-        <p:nvSpPr>
-          <p:cNvPr id="5" name="Hexagon 4"/>
-          <p:cNvSpPr/>
-          <p:nvPr/>
-        </p:nvSpPr>
-        <p:spPr>
-          <a:xfrm>
-            <a:off x="4644008" y="1925216"/>
-            <a:ext cx="1872208" cy="927720"/>
-          </a:xfrm>
-          <a:prstGeom prst="hexagon">
-            <a:avLst/>
-          </a:prstGeom>
-          <a:solidFill>
-            <a:schemeClr val="bg1"/>
-          </a:solidFill>
-        </p:spPr>
-        <p:style>
-          <a:lnRef idx="2">
-            <a:schemeClr val="accent1">
-              <a:shade val="50000"/>
-            </a:schemeClr>
-          </a:lnRef>
-          <a:fillRef idx="1">
-            <a:schemeClr val="accent1"/>
-          </a:fillRef>
-          <a:effectRef idx="0">
-            <a:schemeClr val="accent1"/>
-          </a:effectRef>
-          <a:fontRef idx="minor">
-            <a:schemeClr val="lt1"/>
-          </a:fontRef>
-        </p:style>
-        <p:txBody>
-          <a:bodyPr rtlCol="0" anchor="ctr"/>
-          <a:lstStyle/>
-          <a:p>
-            <a:pPr algn="ctr"/>
-            <a:endParaRPr lang="en-GB" sz="3200" dirty="0"/>
-          </a:p>
-        </p:txBody>
-      </p:sp>
-      <p:sp>
-        <p:nvSpPr>
-          <p:cNvPr id="6" name="Hexagon 5"/>
-          <p:cNvSpPr/>
-          <p:nvPr/>
-        </p:nvSpPr>
-        <p:spPr>
-          <a:xfrm>
-            <a:off x="2915816" y="2420888"/>
-            <a:ext cx="1872208" cy="927720"/>
-          </a:xfrm>
-          <a:prstGeom prst="hexagon">
-            <a:avLst/>
-          </a:prstGeom>
-          <a:solidFill>
-            <a:schemeClr val="bg1"/>
-          </a:solidFill>
-        </p:spPr>
-        <p:style>
-          <a:lnRef idx="2">
-            <a:schemeClr val="accent1">
-              <a:shade val="50000"/>
-            </a:schemeClr>
-          </a:lnRef>
-          <a:fillRef idx="1">
-            <a:schemeClr val="accent1"/>
-          </a:fillRef>
-          <a:effectRef idx="0">
-            <a:schemeClr val="accent1"/>
-          </a:effectRef>
-          <a:fontRef idx="minor">
-            <a:schemeClr val="lt1"/>
-          </a:fontRef>
-        </p:style>
-        <p:txBody>
-          <a:bodyPr rtlCol="0" anchor="ctr"/>
-          <a:lstStyle/>
-          <a:p>
-            <a:pPr algn="ctr"/>
-            <a:endParaRPr lang="en-GB" sz="3200" dirty="0"/>
-          </a:p>
-        </p:txBody>
-      </p:sp>
-      <p:sp>
-        <p:nvSpPr>
-          <p:cNvPr id="7" name="Hexagon 6"/>
-          <p:cNvSpPr/>
-          <p:nvPr/>
-        </p:nvSpPr>
-        <p:spPr>
-          <a:xfrm>
-            <a:off x="4644008" y="2924944"/>
-            <a:ext cx="1872208" cy="927720"/>
-          </a:xfrm>
-          <a:prstGeom prst="hexagon">
-            <a:avLst/>
-          </a:prstGeom>
-          <a:solidFill>
-            <a:schemeClr val="bg1"/>
-          </a:solidFill>
-        </p:spPr>
-        <p:style>
-          <a:lnRef idx="2">
-            <a:schemeClr val="accent1">
-              <a:shade val="50000"/>
-            </a:schemeClr>
-          </a:lnRef>
-          <a:fillRef idx="1">
-            <a:schemeClr val="accent1"/>
-          </a:fillRef>
-          <a:effectRef idx="0">
-            <a:schemeClr val="accent1"/>
-          </a:effectRef>
-          <a:fontRef idx="minor">
-            <a:schemeClr val="lt1"/>
-          </a:fontRef>
-        </p:style>
-        <p:txBody>
-          <a:bodyPr rtlCol="0" anchor="ctr"/>
-          <a:lstStyle/>
-          <a:p>
-            <a:pPr algn="ctr"/>
-            <a:endParaRPr lang="en-GB" sz="3200" dirty="0"/>
-          </a:p>
-        </p:txBody>
-      </p:sp>
-      <p:sp>
-        <p:nvSpPr>
-          <p:cNvPr id="8" name="Hexagon 7"/>
-          <p:cNvSpPr/>
-          <p:nvPr/>
-        </p:nvSpPr>
-        <p:spPr>
-          <a:xfrm>
-            <a:off x="2915816" y="3437384"/>
-            <a:ext cx="1872208" cy="927720"/>
-          </a:xfrm>
-          <a:prstGeom prst="hexagon">
-            <a:avLst/>
-          </a:prstGeom>
-          <a:solidFill>
-            <a:schemeClr val="bg1"/>
-          </a:solidFill>
-        </p:spPr>
-        <p:style>
-          <a:lnRef idx="2">
-            <a:schemeClr val="accent1">
-              <a:shade val="50000"/>
-            </a:schemeClr>
-          </a:lnRef>
-          <a:fillRef idx="1">
-            <a:schemeClr val="accent1"/>
-          </a:fillRef>
-          <a:effectRef idx="0">
-            <a:schemeClr val="accent1"/>
-          </a:effectRef>
-          <a:fontRef idx="minor">
-            <a:schemeClr val="lt1"/>
-          </a:fontRef>
-        </p:style>
-        <p:txBody>
-          <a:bodyPr rtlCol="0" anchor="ctr"/>
-          <a:lstStyle/>
-          <a:p>
-            <a:pPr algn="ctr"/>
-            <a:endParaRPr lang="en-GB" sz="3200" dirty="0"/>
-          </a:p>
-        </p:txBody>
-      </p:sp>
-      <p:sp>
-        <p:nvSpPr>
-          <p:cNvPr id="9" name="Hexagon 8"/>
-          <p:cNvSpPr/>
-          <p:nvPr/>
-        </p:nvSpPr>
-        <p:spPr>
-          <a:xfrm>
-            <a:off x="4644008" y="3941440"/>
-            <a:ext cx="1872208" cy="927720"/>
-          </a:xfrm>
-          <a:prstGeom prst="hexagon">
-            <a:avLst/>
-          </a:prstGeom>
-          <a:solidFill>
-            <a:schemeClr val="bg1"/>
-          </a:solidFill>
-        </p:spPr>
-        <p:style>
-          <a:lnRef idx="2">
-            <a:schemeClr val="accent1">
-              <a:shade val="50000"/>
-            </a:schemeClr>
-          </a:lnRef>
-          <a:fillRef idx="1">
-            <a:schemeClr val="accent1"/>
-          </a:fillRef>
-          <a:effectRef idx="0">
-            <a:schemeClr val="accent1"/>
-          </a:effectRef>
-          <a:fontRef idx="minor">
-            <a:schemeClr val="lt1"/>
-          </a:fontRef>
-        </p:style>
-        <p:txBody>
-          <a:bodyPr rtlCol="0" anchor="ctr"/>
-          <a:lstStyle/>
-          <a:p>
-            <a:pPr algn="ctr"/>
-            <a:endParaRPr lang="en-GB" sz="3200" dirty="0"/>
-          </a:p>
-        </p:txBody>
-      </p:sp>
-      <p:sp>
-        <p:nvSpPr>
-          <p:cNvPr id="10" name="Hexagon 9"/>
-          <p:cNvSpPr/>
-          <p:nvPr/>
-        </p:nvSpPr>
-        <p:spPr>
-          <a:xfrm>
-            <a:off x="2915816" y="4445496"/>
-            <a:ext cx="1872208" cy="927720"/>
-          </a:xfrm>
-          <a:prstGeom prst="hexagon">
-            <a:avLst/>
-          </a:prstGeom>
-          <a:solidFill>
-            <a:schemeClr val="bg1"/>
-          </a:solidFill>
-        </p:spPr>
-        <p:style>
-          <a:lnRef idx="2">
-            <a:schemeClr val="accent1">
-              <a:shade val="50000"/>
-            </a:schemeClr>
-          </a:lnRef>
-          <a:fillRef idx="1">
-            <a:schemeClr val="accent1"/>
-          </a:fillRef>
-          <a:effectRef idx="0">
-            <a:schemeClr val="accent1"/>
-          </a:effectRef>
-          <a:fontRef idx="minor">
-            <a:schemeClr val="lt1"/>
-          </a:fontRef>
-        </p:style>
-        <p:txBody>
-          <a:bodyPr rtlCol="0" anchor="ctr"/>
-          <a:lstStyle/>
-          <a:p>
-            <a:pPr algn="ctr"/>
-            <a:endParaRPr lang="en-GB" sz="3200" dirty="0"/>
-          </a:p>
-        </p:txBody>
-      </p:sp>
-      <p:sp>
-        <p:nvSpPr>
-          <p:cNvPr id="11" name="Hexagon 10"/>
-          <p:cNvSpPr/>
-          <p:nvPr/>
-        </p:nvSpPr>
-        <p:spPr>
-          <a:xfrm>
-            <a:off x="1187624" y="2933328"/>
-            <a:ext cx="1872208" cy="927720"/>
-          </a:xfrm>
-          <a:prstGeom prst="hexagon">
-            <a:avLst/>
-          </a:prstGeom>
-          <a:solidFill>
-            <a:schemeClr val="bg1"/>
-          </a:solidFill>
-        </p:spPr>
-        <p:style>
-          <a:lnRef idx="2">
-            <a:schemeClr val="accent1">
-              <a:shade val="50000"/>
-            </a:schemeClr>
-          </a:lnRef>
-          <a:fillRef idx="1">
-            <a:schemeClr val="accent1"/>
-          </a:fillRef>
-          <a:effectRef idx="0">
-            <a:schemeClr val="accent1"/>
-          </a:effectRef>
-          <a:fontRef idx="minor">
-            <a:schemeClr val="lt1"/>
-          </a:fontRef>
-        </p:style>
-        <p:txBody>
-          <a:bodyPr rtlCol="0" anchor="ctr"/>
-          <a:lstStyle/>
-          <a:p>
-            <a:pPr algn="ctr"/>
-            <a:endParaRPr lang="en-GB" sz="3200" dirty="0"/>
-          </a:p>
-        </p:txBody>
-      </p:sp>
-      <p:sp>
-        <p:nvSpPr>
-          <p:cNvPr id="12" name="Hexagon 11"/>
-          <p:cNvSpPr/>
-          <p:nvPr/>
-        </p:nvSpPr>
-        <p:spPr>
-          <a:xfrm>
-            <a:off x="1187624" y="1925216"/>
-            <a:ext cx="1872208" cy="927720"/>
-          </a:xfrm>
-          <a:prstGeom prst="hexagon">
-            <a:avLst/>
-          </a:prstGeom>
-          <a:solidFill>
-            <a:schemeClr val="bg1"/>
-          </a:solidFill>
-        </p:spPr>
-        <p:style>
-          <a:lnRef idx="2">
-            <a:schemeClr val="accent1">
-              <a:shade val="50000"/>
-            </a:schemeClr>
-          </a:lnRef>
-          <a:fillRef idx="1">
-            <a:schemeClr val="accent1"/>
-          </a:fillRef>
-          <a:effectRef idx="0">
-            <a:schemeClr val="accent1"/>
-          </a:effectRef>
-          <a:fontRef idx="minor">
-            <a:schemeClr val="lt1"/>
-          </a:fontRef>
-        </p:style>
-        <p:txBody>
-          <a:bodyPr rtlCol="0" anchor="ctr"/>
-          <a:lstStyle/>
-          <a:p>
-            <a:pPr algn="ctr"/>
-            <a:endParaRPr lang="en-GB" sz="3200" dirty="0"/>
-          </a:p>
-        </p:txBody>
-      </p:sp>
-      <p:sp>
-        <p:nvSpPr>
-          <p:cNvPr id="15" name="Hexagon 14"/>
-          <p:cNvSpPr/>
-          <p:nvPr/>
-        </p:nvSpPr>
-        <p:spPr>
-          <a:xfrm>
-            <a:off x="1187624" y="3941440"/>
-            <a:ext cx="1872208" cy="927720"/>
-          </a:xfrm>
-          <a:prstGeom prst="hexagon">
-            <a:avLst/>
-          </a:prstGeom>
-          <a:solidFill>
-            <a:schemeClr val="bg1"/>
-          </a:solidFill>
-        </p:spPr>
-        <p:style>
-          <a:lnRef idx="2">
-            <a:schemeClr val="accent1">
-              <a:shade val="50000"/>
-            </a:schemeClr>
-          </a:lnRef>
-          <a:fillRef idx="1">
-            <a:schemeClr val="accent1"/>
-          </a:fillRef>
-          <a:effectRef idx="0">
-            <a:schemeClr val="accent1"/>
-          </a:effectRef>
-          <a:fontRef idx="minor">
-            <a:schemeClr val="lt1"/>
-          </a:fontRef>
-        </p:style>
-        <p:txBody>
-          <a:bodyPr rtlCol="0" anchor="ctr"/>
-          <a:lstStyle/>
-          <a:p>
-            <a:pPr algn="ctr"/>
-            <a:endParaRPr lang="en-GB" sz="3200" dirty="0"/>
-          </a:p>
-        </p:txBody>
-      </p:sp>
-      <p:sp>
-        <p:nvSpPr>
-          <p:cNvPr id="16" name="Hexagon 15"/>
-          <p:cNvSpPr/>
-          <p:nvPr/>
-        </p:nvSpPr>
-        <p:spPr>
-          <a:xfrm>
-            <a:off x="6372200" y="3437384"/>
-            <a:ext cx="1872208" cy="927720"/>
-          </a:xfrm>
-          <a:prstGeom prst="hexagon">
-            <a:avLst/>
-          </a:prstGeom>
-          <a:solidFill>
-            <a:schemeClr val="bg1"/>
-          </a:solidFill>
-        </p:spPr>
-        <p:style>
-          <a:lnRef idx="2">
-            <a:schemeClr val="accent1">
-              <a:shade val="50000"/>
-            </a:schemeClr>
-          </a:lnRef>
-          <a:fillRef idx="1">
-            <a:schemeClr val="accent1"/>
-          </a:fillRef>
-          <a:effectRef idx="0">
-            <a:schemeClr val="accent1"/>
-          </a:effectRef>
-          <a:fontRef idx="minor">
-            <a:schemeClr val="lt1"/>
-          </a:fontRef>
-        </p:style>
-        <p:txBody>
-          <a:bodyPr rtlCol="0" anchor="ctr"/>
-          <a:lstStyle/>
-          <a:p>
-            <a:pPr algn="ctr"/>
-            <a:endParaRPr lang="en-GB" sz="3200" dirty="0"/>
-          </a:p>
-        </p:txBody>
-      </p:sp>
-      <p:sp>
-        <p:nvSpPr>
-          <p:cNvPr id="17" name="Hexagon 16"/>
-          <p:cNvSpPr/>
-          <p:nvPr/>
-        </p:nvSpPr>
-        <p:spPr>
-          <a:xfrm>
-            <a:off x="6372200" y="2429272"/>
-            <a:ext cx="1872208" cy="927720"/>
-          </a:xfrm>
-          <a:prstGeom prst="hexagon">
-            <a:avLst/>
-          </a:prstGeom>
-          <a:solidFill>
-            <a:schemeClr val="bg1"/>
-          </a:solidFill>
-        </p:spPr>
-        <p:style>
-          <a:lnRef idx="2">
-            <a:schemeClr val="accent1">
-              <a:shade val="50000"/>
-            </a:schemeClr>
-          </a:lnRef>
-          <a:fillRef idx="1">
-            <a:schemeClr val="accent1"/>
-          </a:fillRef>
-          <a:effectRef idx="0">
-            <a:schemeClr val="accent1"/>
-          </a:effectRef>
-          <a:fontRef idx="minor">
-            <a:schemeClr val="lt1"/>
-          </a:fontRef>
-        </p:style>
-        <p:txBody>
-          <a:bodyPr rtlCol="0" anchor="ctr"/>
-          <a:lstStyle/>
-          <a:p>
-            <a:pPr algn="ctr"/>
-            <a:endParaRPr lang="en-GB" sz="3200" dirty="0"/>
-          </a:p>
-        </p:txBody>
-      </p:sp>
-      <p:sp>
-        <p:nvSpPr>
-          <p:cNvPr id="18" name="Hexagon 17"/>
-          <p:cNvSpPr/>
-          <p:nvPr/>
-        </p:nvSpPr>
-        <p:spPr>
-          <a:xfrm>
-            <a:off x="4644008" y="908720"/>
-            <a:ext cx="1872208" cy="927720"/>
-          </a:xfrm>
-          <a:prstGeom prst="hexagon">
-            <a:avLst/>
-          </a:prstGeom>
-          <a:solidFill>
-            <a:schemeClr val="bg1"/>
-          </a:solidFill>
-        </p:spPr>
-        <p:style>
-          <a:lnRef idx="2">
-            <a:schemeClr val="accent1">
-              <a:shade val="50000"/>
-            </a:schemeClr>
-          </a:lnRef>
-          <a:fillRef idx="1">
-            <a:schemeClr val="accent1"/>
-          </a:fillRef>
-          <a:effectRef idx="0">
-            <a:schemeClr val="accent1"/>
-          </a:effectRef>
-          <a:fontRef idx="minor">
-            <a:schemeClr val="lt1"/>
-          </a:fontRef>
-        </p:style>
-        <p:txBody>
-          <a:bodyPr rtlCol="0" anchor="ctr"/>
-          <a:lstStyle/>
-          <a:p>
-            <a:pPr algn="ctr"/>
-            <a:endParaRPr lang="en-GB" sz="3200" dirty="0"/>
-          </a:p>
-        </p:txBody>
-      </p:sp>
-      <p:sp>
-        <p:nvSpPr>
-          <p:cNvPr id="19" name="Hexagon 18"/>
-          <p:cNvSpPr/>
-          <p:nvPr/>
-        </p:nvSpPr>
-        <p:spPr>
-          <a:xfrm>
-            <a:off x="4644008" y="4949552"/>
-            <a:ext cx="1872208" cy="927720"/>
-          </a:xfrm>
-          <a:prstGeom prst="hexagon">
-            <a:avLst/>
-          </a:prstGeom>
-          <a:solidFill>
-            <a:schemeClr val="bg1"/>
-          </a:solidFill>
-        </p:spPr>
-        <p:style>
-          <a:lnRef idx="2">
-            <a:schemeClr val="accent1">
-              <a:shade val="50000"/>
-            </a:schemeClr>
-          </a:lnRef>
-          <a:fillRef idx="1">
-            <a:schemeClr val="accent1"/>
-          </a:fillRef>
-          <a:effectRef idx="0">
-            <a:schemeClr val="accent1"/>
-          </a:effectRef>
-          <a:fontRef idx="minor">
-            <a:schemeClr val="lt1"/>
-          </a:fontRef>
-        </p:style>
-        <p:txBody>
-          <a:bodyPr rtlCol="0" anchor="ctr"/>
-          <a:lstStyle/>
-          <a:p>
-            <a:pPr algn="ctr"/>
-            <a:endParaRPr lang="en-GB" sz="3200" dirty="0"/>
-          </a:p>
-        </p:txBody>
-      </p:sp>
-      <p:sp>
-        <p:nvSpPr>
-          <p:cNvPr id="20" name="Hexagon 19"/>
-          <p:cNvSpPr/>
-          <p:nvPr/>
-        </p:nvSpPr>
-        <p:spPr>
-          <a:xfrm>
-            <a:off x="1979712" y="1340768"/>
-            <a:ext cx="5184576" cy="4104456"/>
-          </a:xfrm>
-          <a:prstGeom prst="hexagon">
-            <a:avLst/>
-          </a:prstGeom>
-          <a:noFill/>
-        </p:spPr>
-        <p:style>
-          <a:lnRef idx="2">
-            <a:schemeClr val="accent1">
-              <a:shade val="50000"/>
-            </a:schemeClr>
-          </a:lnRef>
-          <a:fillRef idx="1">
-            <a:schemeClr val="accent1"/>
-          </a:fillRef>
-          <a:effectRef idx="0">
-            <a:schemeClr val="accent1"/>
-          </a:effectRef>
-          <a:fontRef idx="minor">
-            <a:schemeClr val="lt1"/>
-          </a:fontRef>
-        </p:style>
-        <p:txBody>
-          <a:bodyPr rtlCol="0" anchor="ctr"/>
-          <a:lstStyle/>
-          <a:p>
-            <a:pPr algn="ctr"/>
+            <a:r>
+              <a:rPr lang="en-GB" sz="3200" dirty="0" smtClean="0">
+                <a:solidFill>
+                  <a:schemeClr val="tx1"/>
+                </a:solidFill>
+              </a:rPr>
+              <a:t>Domain</a:t>
+            </a:r>
             <a:endParaRPr lang="en-GB" sz="3200" dirty="0"/>
           </a:p>
         </p:txBody>
@@ -9439,7 +11391,7 @@
     </p:spTree>
     <p:extLst>
       <p:ext uri="{BB962C8B-B14F-4D97-AF65-F5344CB8AC3E}">
-        <p14:creationId xmlns:p14="http://schemas.microsoft.com/office/powerpoint/2010/main" val="377910208"/>
+        <p14:creationId xmlns:p14="http://schemas.microsoft.com/office/powerpoint/2010/main" val="105837804"/>
       </p:ext>
     </p:extLst>
   </p:cSld>
@@ -9468,126 +11420,694 @@
       </p:grpSpPr>
       <p:sp>
         <p:nvSpPr>
-          <p:cNvPr id="2" name="TextBox 1"/>
-          <p:cNvSpPr txBox="1"/>
-          <p:nvPr/>
-        </p:nvSpPr>
-        <p:spPr>
-          <a:xfrm>
-            <a:off x="6432914" y="2657271"/>
-            <a:ext cx="1765804" cy="1200329"/>
-          </a:xfrm>
-          <a:prstGeom prst="rect">
+          <p:cNvPr id="4" name="Hexagon 3"/>
+          <p:cNvSpPr/>
+          <p:nvPr/>
+        </p:nvSpPr>
+        <p:spPr>
+          <a:xfrm>
+            <a:off x="1979712" y="1340768"/>
+            <a:ext cx="5184576" cy="4104456"/>
+          </a:xfrm>
+          <a:prstGeom prst="hexagon">
+            <a:avLst/>
+          </a:prstGeom>
+          <a:solidFill>
+            <a:schemeClr val="bg1"/>
+          </a:solidFill>
+        </p:spPr>
+        <p:style>
+          <a:lnRef idx="2">
+            <a:schemeClr val="accent1">
+              <a:shade val="50000"/>
+            </a:schemeClr>
+          </a:lnRef>
+          <a:fillRef idx="1">
+            <a:schemeClr val="accent1"/>
+          </a:fillRef>
+          <a:effectRef idx="0">
+            <a:schemeClr val="accent1"/>
+          </a:effectRef>
+          <a:fontRef idx="minor">
+            <a:schemeClr val="lt1"/>
+          </a:fontRef>
+        </p:style>
+        <p:txBody>
+          <a:bodyPr rtlCol="0" anchor="ctr"/>
+          <a:lstStyle/>
+          <a:p>
+            <a:pPr algn="ctr"/>
+            <a:endParaRPr lang="en-GB" sz="3200" dirty="0"/>
+          </a:p>
+        </p:txBody>
+      </p:sp>
+      <p:sp>
+        <p:nvSpPr>
+          <p:cNvPr id="3" name="Hexagon 2"/>
+          <p:cNvSpPr/>
+          <p:nvPr/>
+        </p:nvSpPr>
+        <p:spPr>
+          <a:xfrm>
+            <a:off x="2915816" y="1421160"/>
+            <a:ext cx="1872208" cy="927720"/>
+          </a:xfrm>
+          <a:prstGeom prst="hexagon">
+            <a:avLst/>
+          </a:prstGeom>
+          <a:solidFill>
+            <a:schemeClr val="bg1"/>
+          </a:solidFill>
+        </p:spPr>
+        <p:style>
+          <a:lnRef idx="2">
+            <a:schemeClr val="accent1">
+              <a:shade val="50000"/>
+            </a:schemeClr>
+          </a:lnRef>
+          <a:fillRef idx="1">
+            <a:schemeClr val="accent1"/>
+          </a:fillRef>
+          <a:effectRef idx="0">
+            <a:schemeClr val="accent1"/>
+          </a:effectRef>
+          <a:fontRef idx="minor">
+            <a:schemeClr val="lt1"/>
+          </a:fontRef>
+        </p:style>
+        <p:txBody>
+          <a:bodyPr rtlCol="0" anchor="ctr"/>
+          <a:lstStyle/>
+          <a:p>
+            <a:pPr algn="ctr"/>
+            <a:endParaRPr lang="en-GB" sz="3200" dirty="0"/>
+          </a:p>
+        </p:txBody>
+      </p:sp>
+      <p:sp>
+        <p:nvSpPr>
+          <p:cNvPr id="5" name="Hexagon 4"/>
+          <p:cNvSpPr/>
+          <p:nvPr/>
+        </p:nvSpPr>
+        <p:spPr>
+          <a:xfrm>
+            <a:off x="4644008" y="1925216"/>
+            <a:ext cx="1872208" cy="927720"/>
+          </a:xfrm>
+          <a:prstGeom prst="hexagon">
+            <a:avLst/>
+          </a:prstGeom>
+          <a:solidFill>
+            <a:schemeClr val="bg1"/>
+          </a:solidFill>
+        </p:spPr>
+        <p:style>
+          <a:lnRef idx="2">
+            <a:schemeClr val="accent1">
+              <a:shade val="50000"/>
+            </a:schemeClr>
+          </a:lnRef>
+          <a:fillRef idx="1">
+            <a:schemeClr val="accent1"/>
+          </a:fillRef>
+          <a:effectRef idx="0">
+            <a:schemeClr val="accent1"/>
+          </a:effectRef>
+          <a:fontRef idx="minor">
+            <a:schemeClr val="lt1"/>
+          </a:fontRef>
+        </p:style>
+        <p:txBody>
+          <a:bodyPr rtlCol="0" anchor="ctr"/>
+          <a:lstStyle/>
+          <a:p>
+            <a:pPr algn="ctr"/>
+            <a:endParaRPr lang="en-GB" sz="3200" dirty="0"/>
+          </a:p>
+        </p:txBody>
+      </p:sp>
+      <p:sp>
+        <p:nvSpPr>
+          <p:cNvPr id="6" name="Hexagon 5"/>
+          <p:cNvSpPr/>
+          <p:nvPr/>
+        </p:nvSpPr>
+        <p:spPr>
+          <a:xfrm>
+            <a:off x="2915816" y="2420888"/>
+            <a:ext cx="1872208" cy="927720"/>
+          </a:xfrm>
+          <a:prstGeom prst="hexagon">
+            <a:avLst/>
+          </a:prstGeom>
+          <a:solidFill>
+            <a:schemeClr val="bg1"/>
+          </a:solidFill>
+        </p:spPr>
+        <p:style>
+          <a:lnRef idx="2">
+            <a:schemeClr val="accent1">
+              <a:shade val="50000"/>
+            </a:schemeClr>
+          </a:lnRef>
+          <a:fillRef idx="1">
+            <a:schemeClr val="accent1"/>
+          </a:fillRef>
+          <a:effectRef idx="0">
+            <a:schemeClr val="accent1"/>
+          </a:effectRef>
+          <a:fontRef idx="minor">
+            <a:schemeClr val="lt1"/>
+          </a:fontRef>
+        </p:style>
+        <p:txBody>
+          <a:bodyPr rtlCol="0" anchor="ctr"/>
+          <a:lstStyle/>
+          <a:p>
+            <a:pPr algn="ctr"/>
+            <a:endParaRPr lang="en-GB" sz="3200" dirty="0"/>
+          </a:p>
+        </p:txBody>
+      </p:sp>
+      <p:sp>
+        <p:nvSpPr>
+          <p:cNvPr id="7" name="Hexagon 6"/>
+          <p:cNvSpPr/>
+          <p:nvPr/>
+        </p:nvSpPr>
+        <p:spPr>
+          <a:xfrm>
+            <a:off x="4644008" y="2924944"/>
+            <a:ext cx="1872208" cy="927720"/>
+          </a:xfrm>
+          <a:prstGeom prst="hexagon">
+            <a:avLst/>
+          </a:prstGeom>
+          <a:solidFill>
+            <a:schemeClr val="bg1"/>
+          </a:solidFill>
+        </p:spPr>
+        <p:style>
+          <a:lnRef idx="2">
+            <a:schemeClr val="accent1">
+              <a:shade val="50000"/>
+            </a:schemeClr>
+          </a:lnRef>
+          <a:fillRef idx="1">
+            <a:schemeClr val="accent1"/>
+          </a:fillRef>
+          <a:effectRef idx="0">
+            <a:schemeClr val="accent1"/>
+          </a:effectRef>
+          <a:fontRef idx="minor">
+            <a:schemeClr val="lt1"/>
+          </a:fontRef>
+        </p:style>
+        <p:txBody>
+          <a:bodyPr rtlCol="0" anchor="ctr"/>
+          <a:lstStyle/>
+          <a:p>
+            <a:pPr algn="ctr"/>
+            <a:endParaRPr lang="en-GB" sz="3200" dirty="0"/>
+          </a:p>
+        </p:txBody>
+      </p:sp>
+      <p:sp>
+        <p:nvSpPr>
+          <p:cNvPr id="8" name="Hexagon 7"/>
+          <p:cNvSpPr/>
+          <p:nvPr/>
+        </p:nvSpPr>
+        <p:spPr>
+          <a:xfrm>
+            <a:off x="2915816" y="3437384"/>
+            <a:ext cx="1872208" cy="927720"/>
+          </a:xfrm>
+          <a:prstGeom prst="hexagon">
+            <a:avLst/>
+          </a:prstGeom>
+          <a:solidFill>
+            <a:schemeClr val="bg1"/>
+          </a:solidFill>
+        </p:spPr>
+        <p:style>
+          <a:lnRef idx="2">
+            <a:schemeClr val="accent1">
+              <a:shade val="50000"/>
+            </a:schemeClr>
+          </a:lnRef>
+          <a:fillRef idx="1">
+            <a:schemeClr val="accent1"/>
+          </a:fillRef>
+          <a:effectRef idx="0">
+            <a:schemeClr val="accent1"/>
+          </a:effectRef>
+          <a:fontRef idx="minor">
+            <a:schemeClr val="lt1"/>
+          </a:fontRef>
+        </p:style>
+        <p:txBody>
+          <a:bodyPr rtlCol="0" anchor="ctr"/>
+          <a:lstStyle/>
+          <a:p>
+            <a:pPr algn="ctr"/>
+            <a:endParaRPr lang="en-GB" sz="3200" dirty="0"/>
+          </a:p>
+        </p:txBody>
+      </p:sp>
+      <p:sp>
+        <p:nvSpPr>
+          <p:cNvPr id="9" name="Hexagon 8"/>
+          <p:cNvSpPr/>
+          <p:nvPr/>
+        </p:nvSpPr>
+        <p:spPr>
+          <a:xfrm>
+            <a:off x="4644008" y="3941440"/>
+            <a:ext cx="1872208" cy="927720"/>
+          </a:xfrm>
+          <a:prstGeom prst="hexagon">
+            <a:avLst/>
+          </a:prstGeom>
+          <a:solidFill>
+            <a:schemeClr val="bg1"/>
+          </a:solidFill>
+        </p:spPr>
+        <p:style>
+          <a:lnRef idx="2">
+            <a:schemeClr val="accent1">
+              <a:shade val="50000"/>
+            </a:schemeClr>
+          </a:lnRef>
+          <a:fillRef idx="1">
+            <a:schemeClr val="accent1"/>
+          </a:fillRef>
+          <a:effectRef idx="0">
+            <a:schemeClr val="accent1"/>
+          </a:effectRef>
+          <a:fontRef idx="minor">
+            <a:schemeClr val="lt1"/>
+          </a:fontRef>
+        </p:style>
+        <p:txBody>
+          <a:bodyPr rtlCol="0" anchor="ctr"/>
+          <a:lstStyle/>
+          <a:p>
+            <a:pPr algn="ctr"/>
+            <a:endParaRPr lang="en-GB" sz="3200" dirty="0"/>
+          </a:p>
+        </p:txBody>
+      </p:sp>
+      <p:sp>
+        <p:nvSpPr>
+          <p:cNvPr id="10" name="Hexagon 9"/>
+          <p:cNvSpPr/>
+          <p:nvPr/>
+        </p:nvSpPr>
+        <p:spPr>
+          <a:xfrm>
+            <a:off x="2915816" y="4445496"/>
+            <a:ext cx="1872208" cy="927720"/>
+          </a:xfrm>
+          <a:prstGeom prst="hexagon">
+            <a:avLst/>
+          </a:prstGeom>
+          <a:solidFill>
+            <a:schemeClr val="bg1"/>
+          </a:solidFill>
+        </p:spPr>
+        <p:style>
+          <a:lnRef idx="2">
+            <a:schemeClr val="accent1">
+              <a:shade val="50000"/>
+            </a:schemeClr>
+          </a:lnRef>
+          <a:fillRef idx="1">
+            <a:schemeClr val="accent1"/>
+          </a:fillRef>
+          <a:effectRef idx="0">
+            <a:schemeClr val="accent1"/>
+          </a:effectRef>
+          <a:fontRef idx="minor">
+            <a:schemeClr val="lt1"/>
+          </a:fontRef>
+        </p:style>
+        <p:txBody>
+          <a:bodyPr rtlCol="0" anchor="ctr"/>
+          <a:lstStyle/>
+          <a:p>
+            <a:pPr algn="ctr"/>
+            <a:endParaRPr lang="en-GB" sz="3200" dirty="0"/>
+          </a:p>
+        </p:txBody>
+      </p:sp>
+      <p:sp>
+        <p:nvSpPr>
+          <p:cNvPr id="11" name="Hexagon 10"/>
+          <p:cNvSpPr/>
+          <p:nvPr/>
+        </p:nvSpPr>
+        <p:spPr>
+          <a:xfrm>
+            <a:off x="1187624" y="2933328"/>
+            <a:ext cx="1872208" cy="927720"/>
+          </a:xfrm>
+          <a:prstGeom prst="hexagon">
+            <a:avLst/>
+          </a:prstGeom>
+          <a:solidFill>
+            <a:schemeClr val="bg1"/>
+          </a:solidFill>
+        </p:spPr>
+        <p:style>
+          <a:lnRef idx="2">
+            <a:schemeClr val="accent1">
+              <a:shade val="50000"/>
+            </a:schemeClr>
+          </a:lnRef>
+          <a:fillRef idx="1">
+            <a:schemeClr val="accent1"/>
+          </a:fillRef>
+          <a:effectRef idx="0">
+            <a:schemeClr val="accent1"/>
+          </a:effectRef>
+          <a:fontRef idx="minor">
+            <a:schemeClr val="lt1"/>
+          </a:fontRef>
+        </p:style>
+        <p:txBody>
+          <a:bodyPr rtlCol="0" anchor="ctr"/>
+          <a:lstStyle/>
+          <a:p>
+            <a:pPr algn="ctr"/>
+            <a:endParaRPr lang="en-GB" sz="3200" dirty="0"/>
+          </a:p>
+        </p:txBody>
+      </p:sp>
+      <p:sp>
+        <p:nvSpPr>
+          <p:cNvPr id="12" name="Hexagon 11"/>
+          <p:cNvSpPr/>
+          <p:nvPr/>
+        </p:nvSpPr>
+        <p:spPr>
+          <a:xfrm>
+            <a:off x="1187624" y="1925216"/>
+            <a:ext cx="1872208" cy="927720"/>
+          </a:xfrm>
+          <a:prstGeom prst="hexagon">
+            <a:avLst/>
+          </a:prstGeom>
+          <a:solidFill>
+            <a:schemeClr val="bg1"/>
+          </a:solidFill>
+        </p:spPr>
+        <p:style>
+          <a:lnRef idx="2">
+            <a:schemeClr val="accent1">
+              <a:shade val="50000"/>
+            </a:schemeClr>
+          </a:lnRef>
+          <a:fillRef idx="1">
+            <a:schemeClr val="accent1"/>
+          </a:fillRef>
+          <a:effectRef idx="0">
+            <a:schemeClr val="accent1"/>
+          </a:effectRef>
+          <a:fontRef idx="minor">
+            <a:schemeClr val="lt1"/>
+          </a:fontRef>
+        </p:style>
+        <p:txBody>
+          <a:bodyPr rtlCol="0" anchor="ctr"/>
+          <a:lstStyle/>
+          <a:p>
+            <a:pPr algn="ctr"/>
+            <a:endParaRPr lang="en-GB" sz="3200" dirty="0"/>
+          </a:p>
+        </p:txBody>
+      </p:sp>
+      <p:sp>
+        <p:nvSpPr>
+          <p:cNvPr id="15" name="Hexagon 14"/>
+          <p:cNvSpPr/>
+          <p:nvPr/>
+        </p:nvSpPr>
+        <p:spPr>
+          <a:xfrm>
+            <a:off x="1187624" y="3941440"/>
+            <a:ext cx="1872208" cy="927720"/>
+          </a:xfrm>
+          <a:prstGeom prst="hexagon">
+            <a:avLst/>
+          </a:prstGeom>
+          <a:solidFill>
+            <a:schemeClr val="bg1"/>
+          </a:solidFill>
+        </p:spPr>
+        <p:style>
+          <a:lnRef idx="2">
+            <a:schemeClr val="accent1">
+              <a:shade val="50000"/>
+            </a:schemeClr>
+          </a:lnRef>
+          <a:fillRef idx="1">
+            <a:schemeClr val="accent1"/>
+          </a:fillRef>
+          <a:effectRef idx="0">
+            <a:schemeClr val="accent1"/>
+          </a:effectRef>
+          <a:fontRef idx="minor">
+            <a:schemeClr val="lt1"/>
+          </a:fontRef>
+        </p:style>
+        <p:txBody>
+          <a:bodyPr rtlCol="0" anchor="ctr"/>
+          <a:lstStyle/>
+          <a:p>
+            <a:pPr algn="ctr"/>
+            <a:endParaRPr lang="en-GB" sz="3200" dirty="0"/>
+          </a:p>
+        </p:txBody>
+      </p:sp>
+      <p:sp>
+        <p:nvSpPr>
+          <p:cNvPr id="16" name="Hexagon 15"/>
+          <p:cNvSpPr/>
+          <p:nvPr/>
+        </p:nvSpPr>
+        <p:spPr>
+          <a:xfrm>
+            <a:off x="6372200" y="3437384"/>
+            <a:ext cx="1872208" cy="927720"/>
+          </a:xfrm>
+          <a:prstGeom prst="hexagon">
+            <a:avLst/>
+          </a:prstGeom>
+          <a:solidFill>
+            <a:schemeClr val="bg1"/>
+          </a:solidFill>
+        </p:spPr>
+        <p:style>
+          <a:lnRef idx="2">
+            <a:schemeClr val="accent1">
+              <a:shade val="50000"/>
+            </a:schemeClr>
+          </a:lnRef>
+          <a:fillRef idx="1">
+            <a:schemeClr val="accent1"/>
+          </a:fillRef>
+          <a:effectRef idx="0">
+            <a:schemeClr val="accent1"/>
+          </a:effectRef>
+          <a:fontRef idx="minor">
+            <a:schemeClr val="lt1"/>
+          </a:fontRef>
+        </p:style>
+        <p:txBody>
+          <a:bodyPr rtlCol="0" anchor="ctr"/>
+          <a:lstStyle/>
+          <a:p>
+            <a:pPr algn="ctr"/>
+            <a:endParaRPr lang="en-GB" sz="3200" dirty="0"/>
+          </a:p>
+        </p:txBody>
+      </p:sp>
+      <p:sp>
+        <p:nvSpPr>
+          <p:cNvPr id="17" name="Hexagon 16"/>
+          <p:cNvSpPr/>
+          <p:nvPr/>
+        </p:nvSpPr>
+        <p:spPr>
+          <a:xfrm>
+            <a:off x="6372200" y="2429272"/>
+            <a:ext cx="1872208" cy="927720"/>
+          </a:xfrm>
+          <a:prstGeom prst="hexagon">
+            <a:avLst/>
+          </a:prstGeom>
+          <a:solidFill>
+            <a:schemeClr val="bg1"/>
+          </a:solidFill>
+        </p:spPr>
+        <p:style>
+          <a:lnRef idx="2">
+            <a:schemeClr val="accent1">
+              <a:shade val="50000"/>
+            </a:schemeClr>
+          </a:lnRef>
+          <a:fillRef idx="1">
+            <a:schemeClr val="accent1"/>
+          </a:fillRef>
+          <a:effectRef idx="0">
+            <a:schemeClr val="accent1"/>
+          </a:effectRef>
+          <a:fontRef idx="minor">
+            <a:schemeClr val="lt1"/>
+          </a:fontRef>
+        </p:style>
+        <p:txBody>
+          <a:bodyPr rtlCol="0" anchor="ctr"/>
+          <a:lstStyle/>
+          <a:p>
+            <a:pPr algn="ctr"/>
+            <a:endParaRPr lang="en-GB" sz="3200" dirty="0"/>
+          </a:p>
+        </p:txBody>
+      </p:sp>
+      <p:sp>
+        <p:nvSpPr>
+          <p:cNvPr id="18" name="Hexagon 17"/>
+          <p:cNvSpPr/>
+          <p:nvPr/>
+        </p:nvSpPr>
+        <p:spPr>
+          <a:xfrm>
+            <a:off x="4644008" y="908720"/>
+            <a:ext cx="1872208" cy="927720"/>
+          </a:xfrm>
+          <a:prstGeom prst="hexagon">
+            <a:avLst/>
+          </a:prstGeom>
+          <a:solidFill>
+            <a:schemeClr val="bg1"/>
+          </a:solidFill>
+        </p:spPr>
+        <p:style>
+          <a:lnRef idx="2">
+            <a:schemeClr val="accent1">
+              <a:shade val="50000"/>
+            </a:schemeClr>
+          </a:lnRef>
+          <a:fillRef idx="1">
+            <a:schemeClr val="accent1"/>
+          </a:fillRef>
+          <a:effectRef idx="0">
+            <a:schemeClr val="accent1"/>
+          </a:effectRef>
+          <a:fontRef idx="minor">
+            <a:schemeClr val="lt1"/>
+          </a:fontRef>
+        </p:style>
+        <p:txBody>
+          <a:bodyPr rtlCol="0" anchor="ctr"/>
+          <a:lstStyle/>
+          <a:p>
+            <a:pPr algn="ctr"/>
+            <a:endParaRPr lang="en-GB" sz="3200" dirty="0"/>
+          </a:p>
+        </p:txBody>
+      </p:sp>
+      <p:sp>
+        <p:nvSpPr>
+          <p:cNvPr id="19" name="Hexagon 18"/>
+          <p:cNvSpPr/>
+          <p:nvPr/>
+        </p:nvSpPr>
+        <p:spPr>
+          <a:xfrm>
+            <a:off x="4644008" y="4949552"/>
+            <a:ext cx="1872208" cy="927720"/>
+          </a:xfrm>
+          <a:prstGeom prst="hexagon">
+            <a:avLst/>
+          </a:prstGeom>
+          <a:solidFill>
+            <a:schemeClr val="bg1"/>
+          </a:solidFill>
+        </p:spPr>
+        <p:style>
+          <a:lnRef idx="2">
+            <a:schemeClr val="accent1">
+              <a:shade val="50000"/>
+            </a:schemeClr>
+          </a:lnRef>
+          <a:fillRef idx="1">
+            <a:schemeClr val="accent1"/>
+          </a:fillRef>
+          <a:effectRef idx="0">
+            <a:schemeClr val="accent1"/>
+          </a:effectRef>
+          <a:fontRef idx="minor">
+            <a:schemeClr val="lt1"/>
+          </a:fontRef>
+        </p:style>
+        <p:txBody>
+          <a:bodyPr rtlCol="0" anchor="ctr"/>
+          <a:lstStyle/>
+          <a:p>
+            <a:pPr algn="ctr"/>
+            <a:endParaRPr lang="en-GB" sz="3200" dirty="0"/>
+          </a:p>
+        </p:txBody>
+      </p:sp>
+      <p:sp>
+        <p:nvSpPr>
+          <p:cNvPr id="20" name="Hexagon 19"/>
+          <p:cNvSpPr/>
+          <p:nvPr/>
+        </p:nvSpPr>
+        <p:spPr>
+          <a:xfrm>
+            <a:off x="1979712" y="1340768"/>
+            <a:ext cx="5184576" cy="4104456"/>
+          </a:xfrm>
+          <a:prstGeom prst="hexagon">
             <a:avLst/>
           </a:prstGeom>
           <a:noFill/>
         </p:spPr>
-        <p:txBody>
-          <a:bodyPr wrap="none" rtlCol="0">
-            <a:spAutoFit/>
-          </a:bodyPr>
+        <p:style>
+          <a:lnRef idx="2">
+            <a:schemeClr val="accent1">
+              <a:shade val="50000"/>
+            </a:schemeClr>
+          </a:lnRef>
+          <a:fillRef idx="1">
+            <a:schemeClr val="accent1"/>
+          </a:fillRef>
+          <a:effectRef idx="0">
+            <a:schemeClr val="accent1"/>
+          </a:effectRef>
+          <a:fontRef idx="minor">
+            <a:schemeClr val="lt1"/>
+          </a:fontRef>
+        </p:style>
+        <p:txBody>
+          <a:bodyPr rtlCol="0" anchor="ctr"/>
           <a:lstStyle/>
           <a:p>
             <a:pPr algn="ctr"/>
-            <a:r>
-              <a:rPr lang="en-GB" sz="3600" dirty="0" smtClean="0"/>
-              <a:t>Problem</a:t>
-            </a:r>
-            <a:br>
-              <a:rPr lang="en-GB" sz="3600" dirty="0" smtClean="0"/>
-            </a:br>
-            <a:r>
-              <a:rPr lang="en-GB" sz="3600" dirty="0" smtClean="0"/>
-              <a:t>Solvers</a:t>
-            </a:r>
-            <a:endParaRPr lang="en-GB" sz="3600" dirty="0"/>
-          </a:p>
-        </p:txBody>
-      </p:sp>
-      <p:sp>
-        <p:nvSpPr>
-          <p:cNvPr id="3" name="TextBox 2"/>
-          <p:cNvSpPr txBox="1"/>
-          <p:nvPr/>
-        </p:nvSpPr>
-        <p:spPr>
-          <a:xfrm>
-            <a:off x="921910" y="2660719"/>
-            <a:ext cx="1976055" cy="1200329"/>
-          </a:xfrm>
-          <a:prstGeom prst="rect">
-            <a:avLst/>
-          </a:prstGeom>
-          <a:noFill/>
-        </p:spPr>
-        <p:txBody>
-          <a:bodyPr wrap="none" rtlCol="0">
-            <a:spAutoFit/>
-          </a:bodyPr>
-          <a:lstStyle/>
-          <a:p>
-            <a:pPr algn="ctr"/>
-            <a:r>
-              <a:rPr lang="en-GB" sz="3600" dirty="0" smtClean="0"/>
-              <a:t>Process</a:t>
-            </a:r>
-          </a:p>
-          <a:p>
-            <a:pPr algn="ctr"/>
-            <a:r>
-              <a:rPr lang="en-GB" sz="3600" dirty="0" smtClean="0"/>
-              <a:t>Followers</a:t>
-            </a:r>
-            <a:endParaRPr lang="en-GB" sz="3600" dirty="0"/>
-          </a:p>
-        </p:txBody>
-      </p:sp>
-      <p:sp>
-        <p:nvSpPr>
-          <p:cNvPr id="4" name="Left-Right Arrow 3"/>
-          <p:cNvSpPr/>
-          <p:nvPr/>
-        </p:nvSpPr>
-        <p:spPr>
-          <a:xfrm>
-            <a:off x="2817917" y="2996952"/>
-            <a:ext cx="3600400" cy="572616"/>
-          </a:xfrm>
-          <a:prstGeom prst="leftRightArrow">
-            <a:avLst/>
-          </a:prstGeom>
-        </p:spPr>
-        <p:style>
-          <a:lnRef idx="1">
-            <a:schemeClr val="accent3"/>
-          </a:lnRef>
-          <a:fillRef idx="2">
-            <a:schemeClr val="accent3"/>
-          </a:fillRef>
-          <a:effectRef idx="1">
-            <a:schemeClr val="accent3"/>
-          </a:effectRef>
-          <a:fontRef idx="minor">
-            <a:schemeClr val="dk1"/>
-          </a:fontRef>
-        </p:style>
-        <p:txBody>
-          <a:bodyPr rtlCol="0" anchor="ctr"/>
-          <a:lstStyle/>
-          <a:p>
-            <a:pPr algn="ctr"/>
-            <a:endParaRPr lang="en-GB">
-              <a:solidFill>
-                <a:schemeClr val="dk1"/>
-              </a:solidFill>
-            </a:endParaRPr>
+            <a:endParaRPr lang="en-GB" sz="3200" dirty="0"/>
           </a:p>
         </p:txBody>
       </p:sp>
     </p:spTree>
     <p:extLst>
       <p:ext uri="{BB962C8B-B14F-4D97-AF65-F5344CB8AC3E}">
-        <p14:creationId xmlns:p14="http://schemas.microsoft.com/office/powerpoint/2010/main" val="3733795349"/>
+        <p14:creationId xmlns:p14="http://schemas.microsoft.com/office/powerpoint/2010/main" val="377910208"/>
       </p:ext>
     </p:extLst>
   </p:cSld>
